--- a/soutenances/projet_decembre/intro.pptx
+++ b/soutenances/projet_decembre/intro.pptx
@@ -6,6 +6,7 @@
   </p:sldMasterIdLst>
   <p:sldIdLst>
     <p:sldId id="259" r:id="rId2"/>
+    <p:sldId id="260" r:id="rId3"/>
   </p:sldIdLst>
   <p:sldSz cx="9144000" cy="6858000" type="screen4x3"/>
   <p:notesSz cx="6858000" cy="9144000"/>
@@ -106,7 +107,7 @@
   </p:defaultTextStyle>
   <p:extLst>
     <p:ext uri="{521415D9-36F7-43E2-AB2F-B90AF26B5E84}">
-      <p14:sectionLst xmlns:p14="http://schemas.microsoft.com/office/powerpoint/2010/main" xmlns="">
+      <p14:sectionLst xmlns="" xmlns:p14="http://schemas.microsoft.com/office/powerpoint/2010/main">
         <p14:section name="Modèles INSA" id="{339B715A-A4F6-482F-9E8F-E995A152AF53}">
           <p14:sldIdLst>
             <p14:sldId id="256"/>
@@ -207,7 +208,7 @@
             <a:blip r:embed="rId2" cstate="print">
               <a:extLst>
                 <a:ext uri="{28A0092B-C50C-407E-A947-70E740481C1C}">
-                  <a14:useLocalDpi xmlns:a14="http://schemas.microsoft.com/office/drawing/2010/main" xmlns="" val="0"/>
+                  <a14:useLocalDpi xmlns="" xmlns:a14="http://schemas.microsoft.com/office/drawing/2010/main" val="0"/>
                 </a:ext>
               </a:extLst>
             </a:blip>
@@ -225,7 +226,7 @@
             <a:noFill/>
             <a:extLst>
               <a:ext uri="{909E8E84-426E-40DD-AFC4-6F175D3DCCD1}">
-                <a14:hiddenFill xmlns:a14="http://schemas.microsoft.com/office/drawing/2010/main" xmlns="">
+                <a14:hiddenFill xmlns="" xmlns:a14="http://schemas.microsoft.com/office/drawing/2010/main">
                   <a:solidFill>
                     <a:srgbClr val="FFFFFF"/>
                   </a:solidFill>
@@ -246,7 +247,7 @@
             <a:blip r:embed="rId3" cstate="print">
               <a:extLst>
                 <a:ext uri="{28A0092B-C50C-407E-A947-70E740481C1C}">
-                  <a14:useLocalDpi xmlns:a14="http://schemas.microsoft.com/office/drawing/2010/main" xmlns="" val="0"/>
+                  <a14:useLocalDpi xmlns="" xmlns:a14="http://schemas.microsoft.com/office/drawing/2010/main" val="0"/>
                 </a:ext>
               </a:extLst>
             </a:blip>
@@ -266,7 +267,7 @@
             <a:noFill/>
             <a:extLst>
               <a:ext uri="{909E8E84-426E-40DD-AFC4-6F175D3DCCD1}">
-                <a14:hiddenFill xmlns:a14="http://schemas.microsoft.com/office/drawing/2010/main" xmlns="">
+                <a14:hiddenFill xmlns="" xmlns:a14="http://schemas.microsoft.com/office/drawing/2010/main">
                   <a:solidFill>
                     <a:srgbClr val="FFFFFF"/>
                   </a:solidFill>
@@ -1315,7 +1316,7 @@
     </p:spTree>
     <p:extLst>
       <p:ext uri="{BB962C8B-B14F-4D97-AF65-F5344CB8AC3E}">
-        <p14:creationId xmlns:p14="http://schemas.microsoft.com/office/powerpoint/2010/main" xmlns="" val="2155599893"/>
+        <p14:creationId xmlns="" xmlns:p14="http://schemas.microsoft.com/office/powerpoint/2010/main" val="2155599893"/>
       </p:ext>
     </p:extLst>
   </p:cSld>
@@ -1473,7 +1474,7 @@
     </p:spTree>
     <p:extLst>
       <p:ext uri="{BB962C8B-B14F-4D97-AF65-F5344CB8AC3E}">
-        <p14:creationId xmlns:p14="http://schemas.microsoft.com/office/powerpoint/2010/main" xmlns="" val="2625538701"/>
+        <p14:creationId xmlns="" xmlns:p14="http://schemas.microsoft.com/office/powerpoint/2010/main" val="2625538701"/>
       </p:ext>
     </p:extLst>
   </p:cSld>
@@ -1701,7 +1702,7 @@
     </p:spTree>
     <p:extLst>
       <p:ext uri="{BB962C8B-B14F-4D97-AF65-F5344CB8AC3E}">
-        <p14:creationId xmlns:p14="http://schemas.microsoft.com/office/powerpoint/2010/main" xmlns="" val="1505370761"/>
+        <p14:creationId xmlns="" xmlns:p14="http://schemas.microsoft.com/office/powerpoint/2010/main" val="1505370761"/>
       </p:ext>
     </p:extLst>
   </p:cSld>
@@ -1947,7 +1948,7 @@
     </p:spTree>
     <p:extLst>
       <p:ext uri="{BB962C8B-B14F-4D97-AF65-F5344CB8AC3E}">
-        <p14:creationId xmlns:p14="http://schemas.microsoft.com/office/powerpoint/2010/main" xmlns="" val="1601618539"/>
+        <p14:creationId xmlns="" xmlns:p14="http://schemas.microsoft.com/office/powerpoint/2010/main" val="1601618539"/>
       </p:ext>
     </p:extLst>
   </p:cSld>
@@ -2331,7 +2332,7 @@
     </p:spTree>
     <p:extLst>
       <p:ext uri="{BB962C8B-B14F-4D97-AF65-F5344CB8AC3E}">
-        <p14:creationId xmlns:p14="http://schemas.microsoft.com/office/powerpoint/2010/main" xmlns="" val="171255179"/>
+        <p14:creationId xmlns="" xmlns:p14="http://schemas.microsoft.com/office/powerpoint/2010/main" val="171255179"/>
       </p:ext>
     </p:extLst>
   </p:cSld>
@@ -2433,7 +2434,7 @@
     </p:spTree>
     <p:extLst>
       <p:ext uri="{BB962C8B-B14F-4D97-AF65-F5344CB8AC3E}">
-        <p14:creationId xmlns:p14="http://schemas.microsoft.com/office/powerpoint/2010/main" xmlns="" val="4241946124"/>
+        <p14:creationId xmlns="" xmlns:p14="http://schemas.microsoft.com/office/powerpoint/2010/main" val="4241946124"/>
       </p:ext>
     </p:extLst>
   </p:cSld>
@@ -2471,7 +2472,7 @@
     </p:spTree>
     <p:extLst>
       <p:ext uri="{BB962C8B-B14F-4D97-AF65-F5344CB8AC3E}">
-        <p14:creationId xmlns:p14="http://schemas.microsoft.com/office/powerpoint/2010/main" xmlns="" val="3843733788"/>
+        <p14:creationId xmlns="" xmlns:p14="http://schemas.microsoft.com/office/powerpoint/2010/main" val="3843733788"/>
       </p:ext>
     </p:extLst>
   </p:cSld>
@@ -2767,7 +2768,7 @@
     </p:spTree>
     <p:extLst>
       <p:ext uri="{BB962C8B-B14F-4D97-AF65-F5344CB8AC3E}">
-        <p14:creationId xmlns:p14="http://schemas.microsoft.com/office/powerpoint/2010/main" xmlns="" val="680884878"/>
+        <p14:creationId xmlns="" xmlns:p14="http://schemas.microsoft.com/office/powerpoint/2010/main" val="680884878"/>
       </p:ext>
     </p:extLst>
   </p:cSld>
@@ -3816,7 +3817,7 @@
           <a:blip r:embed="rId10" cstate="print">
             <a:extLst>
               <a:ext uri="{28A0092B-C50C-407E-A947-70E740481C1C}">
-                <a14:useLocalDpi xmlns:a14="http://schemas.microsoft.com/office/drawing/2010/main" xmlns="" val="0"/>
+                <a14:useLocalDpi xmlns="" xmlns:a14="http://schemas.microsoft.com/office/drawing/2010/main" val="0"/>
               </a:ext>
             </a:extLst>
           </a:blip>
@@ -3834,7 +3835,7 @@
           <a:noFill/>
           <a:extLst>
             <a:ext uri="{909E8E84-426E-40DD-AFC4-6F175D3DCCD1}">
-              <a14:hiddenFill xmlns:a14="http://schemas.microsoft.com/office/drawing/2010/main" xmlns="">
+              <a14:hiddenFill xmlns="" xmlns:a14="http://schemas.microsoft.com/office/drawing/2010/main">
                 <a:solidFill>
                   <a:srgbClr val="FFFFFF"/>
                 </a:solidFill>
@@ -3855,7 +3856,7 @@
           <a:blip r:embed="rId11" cstate="print">
             <a:extLst>
               <a:ext uri="{28A0092B-C50C-407E-A947-70E740481C1C}">
-                <a14:useLocalDpi xmlns:a14="http://schemas.microsoft.com/office/drawing/2010/main" xmlns="" val="0"/>
+                <a14:useLocalDpi xmlns="" xmlns:a14="http://schemas.microsoft.com/office/drawing/2010/main" val="0"/>
               </a:ext>
             </a:extLst>
           </a:blip>
@@ -3875,7 +3876,7 @@
           <a:noFill/>
           <a:extLst>
             <a:ext uri="{909E8E84-426E-40DD-AFC4-6F175D3DCCD1}">
-              <a14:hiddenFill xmlns:a14="http://schemas.microsoft.com/office/drawing/2010/main" xmlns="">
+              <a14:hiddenFill xmlns="" xmlns:a14="http://schemas.microsoft.com/office/drawing/2010/main">
                 <a:solidFill>
                   <a:srgbClr val="FFFFFF"/>
                 </a:solidFill>
@@ -4033,7 +4034,7 @@
             <a:lum bright="70000" contrast="-70000"/>
             <a:extLst>
               <a:ext uri="{28A0092B-C50C-407E-A947-70E740481C1C}">
-                <a14:useLocalDpi xmlns:a14="http://schemas.microsoft.com/office/drawing/2010/main" xmlns="" val="0"/>
+                <a14:useLocalDpi xmlns="" xmlns:a14="http://schemas.microsoft.com/office/drawing/2010/main" val="0"/>
               </a:ext>
             </a:extLst>
           </a:blip>
@@ -4054,7 +4055,7 @@
     </p:spTree>
     <p:extLst>
       <p:ext uri="{BB962C8B-B14F-4D97-AF65-F5344CB8AC3E}">
-        <p14:creationId xmlns:p14="http://schemas.microsoft.com/office/powerpoint/2010/main" xmlns="" val="3080300347"/>
+        <p14:creationId xmlns="" xmlns:p14="http://schemas.microsoft.com/office/powerpoint/2010/main" val="3080300347"/>
       </p:ext>
     </p:extLst>
   </p:cSld>
@@ -4422,11 +4423,7 @@
           <a:p>
             <a:r>
               <a:rPr lang="fr-FR" smtClean="0"/>
-              <a:t>Etude de l’existant </a:t>
-            </a:r>
-            <a:r>
-              <a:rPr lang="fr-FR" smtClean="0"/>
-              <a:t> </a:t>
+              <a:t>Etude de l’existant  </a:t>
             </a:r>
             <a:r>
               <a:rPr lang="fr-FR" smtClean="0">
@@ -4442,11 +4439,7 @@
           <a:p>
             <a:r>
               <a:rPr lang="fr-FR" smtClean="0"/>
-              <a:t>Glasir : cahier des </a:t>
-            </a:r>
-            <a:r>
-              <a:rPr lang="fr-FR" smtClean="0"/>
-              <a:t>charges	</a:t>
+              <a:t>Glasir : cahier des charges	</a:t>
             </a:r>
             <a:r>
               <a:rPr lang="fr-FR" smtClean="0">
@@ -4532,6 +4525,128 @@
       </p:par>
     </p:tnLst>
   </p:timing>
+</p:sld>
+</file>
+
+<file path=ppt/slides/slide2.xml><?xml version="1.0" encoding="utf-8"?>
+<p:sld xmlns:a="http://schemas.openxmlformats.org/drawingml/2006/main" xmlns:r="http://schemas.openxmlformats.org/officeDocument/2006/relationships" xmlns:p="http://schemas.openxmlformats.org/presentationml/2006/main">
+  <p:cSld>
+    <p:spTree>
+      <p:nvGrpSpPr>
+        <p:cNvPr id="1" name=""/>
+        <p:cNvGrpSpPr/>
+        <p:nvPr/>
+      </p:nvGrpSpPr>
+      <p:grpSpPr>
+        <a:xfrm>
+          <a:off x="0" y="0"/>
+          <a:ext cx="0" cy="0"/>
+          <a:chOff x="0" y="0"/>
+          <a:chExt cx="0" cy="0"/>
+        </a:xfrm>
+      </p:grpSpPr>
+      <p:sp>
+        <p:nvSpPr>
+          <p:cNvPr id="2" name="Titre 1"/>
+          <p:cNvSpPr>
+            <a:spLocks noGrp="1"/>
+          </p:cNvSpPr>
+          <p:nvPr>
+            <p:ph type="title"/>
+          </p:nvPr>
+        </p:nvSpPr>
+        <p:spPr/>
+        <p:txBody>
+          <a:bodyPr/>
+          <a:lstStyle/>
+          <a:p>
+            <a:endParaRPr lang="fr-FR"/>
+          </a:p>
+        </p:txBody>
+      </p:sp>
+      <p:sp>
+        <p:nvSpPr>
+          <p:cNvPr id="3" name="Espace réservé du contenu 2"/>
+          <p:cNvSpPr>
+            <a:spLocks noGrp="1"/>
+          </p:cNvSpPr>
+          <p:nvPr>
+            <p:ph idx="1"/>
+          </p:nvPr>
+        </p:nvSpPr>
+        <p:spPr/>
+        <p:txBody>
+          <a:bodyPr>
+            <a:normAutofit/>
+          </a:bodyPr>
+          <a:lstStyle/>
+          <a:p>
+            <a:pPr algn="ctr"/>
+            <a:r>
+              <a:rPr lang="fr-FR" sz="4800" smtClean="0"/>
+              <a:t> </a:t>
+            </a:r>
+            <a:r>
+              <a:rPr lang="fr-FR" sz="4800" smtClean="0"/>
+              <a:t>16 et 18 mai 2012</a:t>
+            </a:r>
+          </a:p>
+          <a:p>
+            <a:pPr algn="ctr"/>
+            <a:endParaRPr lang="fr-FR" sz="4800" smtClean="0"/>
+          </a:p>
+          <a:p>
+            <a:pPr algn="ctr"/>
+            <a:endParaRPr lang="fr-FR" sz="4800" smtClean="0"/>
+          </a:p>
+          <a:p>
+            <a:pPr algn="ctr"/>
+            <a:endParaRPr lang="fr-FR" sz="4800" smtClean="0"/>
+          </a:p>
+          <a:p>
+            <a:pPr algn="ctr"/>
+            <a:r>
+              <a:rPr lang="fr-FR" sz="4800" smtClean="0"/>
+              <a:t>Le métro rennais paralysé</a:t>
+            </a:r>
+            <a:endParaRPr lang="fr-FR" sz="4800" smtClean="0"/>
+          </a:p>
+          <a:p>
+            <a:pPr algn="ctr"/>
+            <a:endParaRPr lang="fr-FR" sz="4800" smtClean="0"/>
+          </a:p>
+          <a:p>
+            <a:pPr algn="ctr"/>
+            <a:endParaRPr lang="fr-FR" sz="4800"/>
+          </a:p>
+        </p:txBody>
+      </p:sp>
+      <p:sp>
+        <p:nvSpPr>
+          <p:cNvPr id="4" name="Espace réservé du texte 3"/>
+          <p:cNvSpPr>
+            <a:spLocks noGrp="1"/>
+          </p:cNvSpPr>
+          <p:nvPr>
+            <p:ph type="body" sz="quarter" idx="10"/>
+          </p:nvPr>
+        </p:nvSpPr>
+        <p:spPr/>
+        <p:txBody>
+          <a:bodyPr>
+            <a:normAutofit fontScale="92500" lnSpcReduction="20000"/>
+          </a:bodyPr>
+          <a:lstStyle/>
+          <a:p>
+            <a:endParaRPr lang="fr-FR"/>
+          </a:p>
+        </p:txBody>
+      </p:sp>
+    </p:spTree>
+  </p:cSld>
+  <p:clrMapOvr>
+    <a:masterClrMapping/>
+  </p:clrMapOvr>
 </p:sld>
 </file>
 

--- a/soutenances/projet_decembre/intro.pptx
+++ b/soutenances/projet_decembre/intro.pptx
@@ -4,9 +4,14 @@
   <p:sldMasterIdLst>
     <p:sldMasterId id="2147483654" r:id="rId1"/>
   </p:sldMasterIdLst>
+  <p:notesMasterIdLst>
+    <p:notesMasterId r:id="rId6"/>
+  </p:notesMasterIdLst>
   <p:sldIdLst>
     <p:sldId id="259" r:id="rId2"/>
-    <p:sldId id="260" r:id="rId3"/>
+    <p:sldId id="261" r:id="rId3"/>
+    <p:sldId id="260" r:id="rId4"/>
+    <p:sldId id="262" r:id="rId5"/>
   </p:sldIdLst>
   <p:sldSz cx="9144000" cy="6858000" type="screen4x3"/>
   <p:notesSz cx="6858000" cy="9144000"/>
@@ -107,7 +112,7 @@
   </p:defaultTextStyle>
   <p:extLst>
     <p:ext uri="{521415D9-36F7-43E2-AB2F-B90AF26B5E84}">
-      <p14:sectionLst xmlns="" xmlns:p14="http://schemas.microsoft.com/office/powerpoint/2010/main">
+      <p14:sectionLst xmlns:p14="http://schemas.microsoft.com/office/powerpoint/2010/main" xmlns="">
         <p14:section name="Modèles INSA" id="{339B715A-A4F6-482F-9E8F-E995A152AF53}">
           <p14:sldIdLst>
             <p14:sldId id="256"/>
@@ -117,6 +122,434 @@
     </p:ext>
   </p:extLst>
 </p:presentation>
+</file>
+
+<file path=ppt/notesMasters/notesMaster1.xml><?xml version="1.0" encoding="utf-8"?>
+<p:notesMaster xmlns:a="http://schemas.openxmlformats.org/drawingml/2006/main" xmlns:r="http://schemas.openxmlformats.org/officeDocument/2006/relationships" xmlns:p="http://schemas.openxmlformats.org/presentationml/2006/main">
+  <p:cSld>
+    <p:bg>
+      <p:bgRef idx="1001">
+        <a:schemeClr val="bg1"/>
+      </p:bgRef>
+    </p:bg>
+    <p:spTree>
+      <p:nvGrpSpPr>
+        <p:cNvPr id="1" name=""/>
+        <p:cNvGrpSpPr/>
+        <p:nvPr/>
+      </p:nvGrpSpPr>
+      <p:grpSpPr>
+        <a:xfrm>
+          <a:off x="0" y="0"/>
+          <a:ext cx="0" cy="0"/>
+          <a:chOff x="0" y="0"/>
+          <a:chExt cx="0" cy="0"/>
+        </a:xfrm>
+      </p:grpSpPr>
+      <p:sp>
+        <p:nvSpPr>
+          <p:cNvPr id="2" name="Espace réservé de l'en-tête 1"/>
+          <p:cNvSpPr>
+            <a:spLocks noGrp="1"/>
+          </p:cNvSpPr>
+          <p:nvPr>
+            <p:ph type="hdr" sz="quarter"/>
+          </p:nvPr>
+        </p:nvSpPr>
+        <p:spPr>
+          <a:xfrm>
+            <a:off x="0" y="0"/>
+            <a:ext cx="2971800" cy="457200"/>
+          </a:xfrm>
+          <a:prstGeom prst="rect">
+            <a:avLst/>
+          </a:prstGeom>
+        </p:spPr>
+        <p:txBody>
+          <a:bodyPr vert="horz" lIns="91440" tIns="45720" rIns="91440" bIns="45720" rtlCol="0"/>
+          <a:lstStyle>
+            <a:lvl1pPr algn="l">
+              <a:defRPr sz="1200"/>
+            </a:lvl1pPr>
+          </a:lstStyle>
+          <a:p>
+            <a:endParaRPr lang="fr-FR"/>
+          </a:p>
+        </p:txBody>
+      </p:sp>
+      <p:sp>
+        <p:nvSpPr>
+          <p:cNvPr id="3" name="Espace réservé de la date 2"/>
+          <p:cNvSpPr>
+            <a:spLocks noGrp="1"/>
+          </p:cNvSpPr>
+          <p:nvPr>
+            <p:ph type="dt" idx="1"/>
+          </p:nvPr>
+        </p:nvSpPr>
+        <p:spPr>
+          <a:xfrm>
+            <a:off x="3884613" y="0"/>
+            <a:ext cx="2971800" cy="457200"/>
+          </a:xfrm>
+          <a:prstGeom prst="rect">
+            <a:avLst/>
+          </a:prstGeom>
+        </p:spPr>
+        <p:txBody>
+          <a:bodyPr vert="horz" lIns="91440" tIns="45720" rIns="91440" bIns="45720" rtlCol="0"/>
+          <a:lstStyle>
+            <a:lvl1pPr algn="r">
+              <a:defRPr sz="1200"/>
+            </a:lvl1pPr>
+          </a:lstStyle>
+          <a:p>
+            <a:fld id="{63971E1F-7B1D-43D7-A338-A6C5FB8F6681}" type="datetimeFigureOut">
+              <a:rPr lang="fr-FR" smtClean="0"/>
+              <a:t>15/12/2014</a:t>
+            </a:fld>
+            <a:endParaRPr lang="fr-FR"/>
+          </a:p>
+        </p:txBody>
+      </p:sp>
+      <p:sp>
+        <p:nvSpPr>
+          <p:cNvPr id="4" name="Espace réservé de l'image des diapositives 3"/>
+          <p:cNvSpPr>
+            <a:spLocks noGrp="1" noRot="1" noChangeAspect="1"/>
+          </p:cNvSpPr>
+          <p:nvPr>
+            <p:ph type="sldImg" idx="2"/>
+          </p:nvPr>
+        </p:nvSpPr>
+        <p:spPr>
+          <a:xfrm>
+            <a:off x="1143000" y="685800"/>
+            <a:ext cx="4572000" cy="3429000"/>
+          </a:xfrm>
+          <a:prstGeom prst="rect">
+            <a:avLst/>
+          </a:prstGeom>
+          <a:noFill/>
+          <a:ln w="12700">
+            <a:solidFill>
+              <a:prstClr val="black"/>
+            </a:solidFill>
+          </a:ln>
+        </p:spPr>
+        <p:txBody>
+          <a:bodyPr vert="horz" lIns="91440" tIns="45720" rIns="91440" bIns="45720" rtlCol="0" anchor="ctr"/>
+          <a:lstStyle/>
+          <a:p>
+            <a:endParaRPr lang="fr-FR"/>
+          </a:p>
+        </p:txBody>
+      </p:sp>
+      <p:sp>
+        <p:nvSpPr>
+          <p:cNvPr id="5" name="Espace réservé des commentaires 4"/>
+          <p:cNvSpPr>
+            <a:spLocks noGrp="1"/>
+          </p:cNvSpPr>
+          <p:nvPr>
+            <p:ph type="body" sz="quarter" idx="3"/>
+          </p:nvPr>
+        </p:nvSpPr>
+        <p:spPr>
+          <a:xfrm>
+            <a:off x="685800" y="4343400"/>
+            <a:ext cx="5486400" cy="4114800"/>
+          </a:xfrm>
+          <a:prstGeom prst="rect">
+            <a:avLst/>
+          </a:prstGeom>
+        </p:spPr>
+        <p:txBody>
+          <a:bodyPr vert="horz" lIns="91440" tIns="45720" rIns="91440" bIns="45720" rtlCol="0">
+            <a:normAutofit/>
+          </a:bodyPr>
+          <a:lstStyle/>
+          <a:p>
+            <a:pPr lvl="0"/>
+            <a:r>
+              <a:rPr lang="fr-FR" smtClean="0"/>
+              <a:t>Cliquez pour modifier les styles du texte du masque</a:t>
+            </a:r>
+          </a:p>
+          <a:p>
+            <a:pPr lvl="1"/>
+            <a:r>
+              <a:rPr lang="fr-FR" smtClean="0"/>
+              <a:t>Deuxième niveau</a:t>
+            </a:r>
+          </a:p>
+          <a:p>
+            <a:pPr lvl="2"/>
+            <a:r>
+              <a:rPr lang="fr-FR" smtClean="0"/>
+              <a:t>Troisième niveau</a:t>
+            </a:r>
+          </a:p>
+          <a:p>
+            <a:pPr lvl="3"/>
+            <a:r>
+              <a:rPr lang="fr-FR" smtClean="0"/>
+              <a:t>Quatrième niveau</a:t>
+            </a:r>
+          </a:p>
+          <a:p>
+            <a:pPr lvl="4"/>
+            <a:r>
+              <a:rPr lang="fr-FR" smtClean="0"/>
+              <a:t>Cinquième niveau</a:t>
+            </a:r>
+            <a:endParaRPr lang="fr-FR"/>
+          </a:p>
+        </p:txBody>
+      </p:sp>
+      <p:sp>
+        <p:nvSpPr>
+          <p:cNvPr id="6" name="Espace réservé du pied de page 5"/>
+          <p:cNvSpPr>
+            <a:spLocks noGrp="1"/>
+          </p:cNvSpPr>
+          <p:nvPr>
+            <p:ph type="ftr" sz="quarter" idx="4"/>
+          </p:nvPr>
+        </p:nvSpPr>
+        <p:spPr>
+          <a:xfrm>
+            <a:off x="0" y="8685213"/>
+            <a:ext cx="2971800" cy="457200"/>
+          </a:xfrm>
+          <a:prstGeom prst="rect">
+            <a:avLst/>
+          </a:prstGeom>
+        </p:spPr>
+        <p:txBody>
+          <a:bodyPr vert="horz" lIns="91440" tIns="45720" rIns="91440" bIns="45720" rtlCol="0" anchor="b"/>
+          <a:lstStyle>
+            <a:lvl1pPr algn="l">
+              <a:defRPr sz="1200"/>
+            </a:lvl1pPr>
+          </a:lstStyle>
+          <a:p>
+            <a:endParaRPr lang="fr-FR"/>
+          </a:p>
+        </p:txBody>
+      </p:sp>
+      <p:sp>
+        <p:nvSpPr>
+          <p:cNvPr id="7" name="Espace réservé du numéro de diapositive 6"/>
+          <p:cNvSpPr>
+            <a:spLocks noGrp="1"/>
+          </p:cNvSpPr>
+          <p:nvPr>
+            <p:ph type="sldNum" sz="quarter" idx="5"/>
+          </p:nvPr>
+        </p:nvSpPr>
+        <p:spPr>
+          <a:xfrm>
+            <a:off x="3884613" y="8685213"/>
+            <a:ext cx="2971800" cy="457200"/>
+          </a:xfrm>
+          <a:prstGeom prst="rect">
+            <a:avLst/>
+          </a:prstGeom>
+        </p:spPr>
+        <p:txBody>
+          <a:bodyPr vert="horz" lIns="91440" tIns="45720" rIns="91440" bIns="45720" rtlCol="0" anchor="b"/>
+          <a:lstStyle>
+            <a:lvl1pPr algn="r">
+              <a:defRPr sz="1200"/>
+            </a:lvl1pPr>
+          </a:lstStyle>
+          <a:p>
+            <a:fld id="{7DDCF73A-A167-4C23-969D-BB6EE6B805CD}" type="slidenum">
+              <a:rPr lang="fr-FR" smtClean="0"/>
+              <a:t>‹N°›</a:t>
+            </a:fld>
+            <a:endParaRPr lang="fr-FR"/>
+          </a:p>
+        </p:txBody>
+      </p:sp>
+    </p:spTree>
+  </p:cSld>
+  <p:clrMap bg1="lt1" tx1="dk1" bg2="lt2" tx2="dk2" accent1="accent1" accent2="accent2" accent3="accent3" accent4="accent4" accent5="accent5" accent6="accent6" hlink="hlink" folHlink="folHlink"/>
+  <p:notesStyle>
+    <a:lvl1pPr marL="0" algn="l" defTabSz="914400" rtl="0" eaLnBrk="1" latinLnBrk="0" hangingPunct="1">
+      <a:defRPr sz="1200" kern="1200">
+        <a:solidFill>
+          <a:schemeClr val="tx1"/>
+        </a:solidFill>
+        <a:latin typeface="+mn-lt"/>
+        <a:ea typeface="+mn-ea"/>
+        <a:cs typeface="+mn-cs"/>
+      </a:defRPr>
+    </a:lvl1pPr>
+    <a:lvl2pPr marL="457200" algn="l" defTabSz="914400" rtl="0" eaLnBrk="1" latinLnBrk="0" hangingPunct="1">
+      <a:defRPr sz="1200" kern="1200">
+        <a:solidFill>
+          <a:schemeClr val="tx1"/>
+        </a:solidFill>
+        <a:latin typeface="+mn-lt"/>
+        <a:ea typeface="+mn-ea"/>
+        <a:cs typeface="+mn-cs"/>
+      </a:defRPr>
+    </a:lvl2pPr>
+    <a:lvl3pPr marL="914400" algn="l" defTabSz="914400" rtl="0" eaLnBrk="1" latinLnBrk="0" hangingPunct="1">
+      <a:defRPr sz="1200" kern="1200">
+        <a:solidFill>
+          <a:schemeClr val="tx1"/>
+        </a:solidFill>
+        <a:latin typeface="+mn-lt"/>
+        <a:ea typeface="+mn-ea"/>
+        <a:cs typeface="+mn-cs"/>
+      </a:defRPr>
+    </a:lvl3pPr>
+    <a:lvl4pPr marL="1371600" algn="l" defTabSz="914400" rtl="0" eaLnBrk="1" latinLnBrk="0" hangingPunct="1">
+      <a:defRPr sz="1200" kern="1200">
+        <a:solidFill>
+          <a:schemeClr val="tx1"/>
+        </a:solidFill>
+        <a:latin typeface="+mn-lt"/>
+        <a:ea typeface="+mn-ea"/>
+        <a:cs typeface="+mn-cs"/>
+      </a:defRPr>
+    </a:lvl4pPr>
+    <a:lvl5pPr marL="1828800" algn="l" defTabSz="914400" rtl="0" eaLnBrk="1" latinLnBrk="0" hangingPunct="1">
+      <a:defRPr sz="1200" kern="1200">
+        <a:solidFill>
+          <a:schemeClr val="tx1"/>
+        </a:solidFill>
+        <a:latin typeface="+mn-lt"/>
+        <a:ea typeface="+mn-ea"/>
+        <a:cs typeface="+mn-cs"/>
+      </a:defRPr>
+    </a:lvl5pPr>
+    <a:lvl6pPr marL="2286000" algn="l" defTabSz="914400" rtl="0" eaLnBrk="1" latinLnBrk="0" hangingPunct="1">
+      <a:defRPr sz="1200" kern="1200">
+        <a:solidFill>
+          <a:schemeClr val="tx1"/>
+        </a:solidFill>
+        <a:latin typeface="+mn-lt"/>
+        <a:ea typeface="+mn-ea"/>
+        <a:cs typeface="+mn-cs"/>
+      </a:defRPr>
+    </a:lvl6pPr>
+    <a:lvl7pPr marL="2743200" algn="l" defTabSz="914400" rtl="0" eaLnBrk="1" latinLnBrk="0" hangingPunct="1">
+      <a:defRPr sz="1200" kern="1200">
+        <a:solidFill>
+          <a:schemeClr val="tx1"/>
+        </a:solidFill>
+        <a:latin typeface="+mn-lt"/>
+        <a:ea typeface="+mn-ea"/>
+        <a:cs typeface="+mn-cs"/>
+      </a:defRPr>
+    </a:lvl7pPr>
+    <a:lvl8pPr marL="3200400" algn="l" defTabSz="914400" rtl="0" eaLnBrk="1" latinLnBrk="0" hangingPunct="1">
+      <a:defRPr sz="1200" kern="1200">
+        <a:solidFill>
+          <a:schemeClr val="tx1"/>
+        </a:solidFill>
+        <a:latin typeface="+mn-lt"/>
+        <a:ea typeface="+mn-ea"/>
+        <a:cs typeface="+mn-cs"/>
+      </a:defRPr>
+    </a:lvl8pPr>
+    <a:lvl9pPr marL="3657600" algn="l" defTabSz="914400" rtl="0" eaLnBrk="1" latinLnBrk="0" hangingPunct="1">
+      <a:defRPr sz="1200" kern="1200">
+        <a:solidFill>
+          <a:schemeClr val="tx1"/>
+        </a:solidFill>
+        <a:latin typeface="+mn-lt"/>
+        <a:ea typeface="+mn-ea"/>
+        <a:cs typeface="+mn-cs"/>
+      </a:defRPr>
+    </a:lvl9pPr>
+  </p:notesStyle>
+</p:notesMaster>
+</file>
+
+<file path=ppt/notesSlides/notesSlide1.xml><?xml version="1.0" encoding="utf-8"?>
+<p:notes xmlns:a="http://schemas.openxmlformats.org/drawingml/2006/main" xmlns:r="http://schemas.openxmlformats.org/officeDocument/2006/relationships" xmlns:p="http://schemas.openxmlformats.org/presentationml/2006/main">
+  <p:cSld>
+    <p:spTree>
+      <p:nvGrpSpPr>
+        <p:cNvPr id="1" name=""/>
+        <p:cNvGrpSpPr/>
+        <p:nvPr/>
+      </p:nvGrpSpPr>
+      <p:grpSpPr>
+        <a:xfrm>
+          <a:off x="0" y="0"/>
+          <a:ext cx="0" cy="0"/>
+          <a:chOff x="0" y="0"/>
+          <a:chExt cx="0" cy="0"/>
+        </a:xfrm>
+      </p:grpSpPr>
+      <p:sp>
+        <p:nvSpPr>
+          <p:cNvPr id="2" name="Espace réservé de l'image des diapositives 1"/>
+          <p:cNvSpPr>
+            <a:spLocks noGrp="1" noRot="1" noChangeAspect="1"/>
+          </p:cNvSpPr>
+          <p:nvPr>
+            <p:ph type="sldImg"/>
+          </p:nvPr>
+        </p:nvSpPr>
+        <p:spPr/>
+      </p:sp>
+      <p:sp>
+        <p:nvSpPr>
+          <p:cNvPr id="3" name="Espace réservé des commentaires 2"/>
+          <p:cNvSpPr>
+            <a:spLocks noGrp="1"/>
+          </p:cNvSpPr>
+          <p:nvPr>
+            <p:ph type="body" idx="1"/>
+          </p:nvPr>
+        </p:nvSpPr>
+        <p:spPr/>
+        <p:txBody>
+          <a:bodyPr>
+            <a:normAutofit/>
+          </a:bodyPr>
+          <a:lstStyle/>
+          <a:p>
+            <a:endParaRPr lang="fr-FR" baseline="0" smtClean="0"/>
+          </a:p>
+        </p:txBody>
+      </p:sp>
+      <p:sp>
+        <p:nvSpPr>
+          <p:cNvPr id="4" name="Espace réservé du numéro de diapositive 3"/>
+          <p:cNvSpPr>
+            <a:spLocks noGrp="1"/>
+          </p:cNvSpPr>
+          <p:nvPr>
+            <p:ph type="sldNum" sz="quarter" idx="10"/>
+          </p:nvPr>
+        </p:nvSpPr>
+        <p:spPr/>
+        <p:txBody>
+          <a:bodyPr/>
+          <a:lstStyle/>
+          <a:p>
+            <a:fld id="{7DDCF73A-A167-4C23-969D-BB6EE6B805CD}" type="slidenum">
+              <a:rPr lang="fr-FR" smtClean="0"/>
+              <a:t>2</a:t>
+            </a:fld>
+            <a:endParaRPr lang="fr-FR"/>
+          </a:p>
+        </p:txBody>
+      </p:sp>
+    </p:spTree>
+  </p:cSld>
+  <p:clrMapOvr>
+    <a:masterClrMapping/>
+  </p:clrMapOvr>
+</p:notes>
 </file>
 
 <file path=ppt/slideLayouts/slideLayout1.xml><?xml version="1.0" encoding="utf-8"?>
@@ -208,7 +641,7 @@
             <a:blip r:embed="rId2" cstate="print">
               <a:extLst>
                 <a:ext uri="{28A0092B-C50C-407E-A947-70E740481C1C}">
-                  <a14:useLocalDpi xmlns="" xmlns:a14="http://schemas.microsoft.com/office/drawing/2010/main" val="0"/>
+                  <a14:useLocalDpi xmlns:a14="http://schemas.microsoft.com/office/drawing/2010/main" xmlns="" val="0"/>
                 </a:ext>
               </a:extLst>
             </a:blip>
@@ -226,7 +659,7 @@
             <a:noFill/>
             <a:extLst>
               <a:ext uri="{909E8E84-426E-40DD-AFC4-6F175D3DCCD1}">
-                <a14:hiddenFill xmlns="" xmlns:a14="http://schemas.microsoft.com/office/drawing/2010/main">
+                <a14:hiddenFill xmlns:a14="http://schemas.microsoft.com/office/drawing/2010/main" xmlns="">
                   <a:solidFill>
                     <a:srgbClr val="FFFFFF"/>
                   </a:solidFill>
@@ -247,7 +680,7 @@
             <a:blip r:embed="rId3" cstate="print">
               <a:extLst>
                 <a:ext uri="{28A0092B-C50C-407E-A947-70E740481C1C}">
-                  <a14:useLocalDpi xmlns="" xmlns:a14="http://schemas.microsoft.com/office/drawing/2010/main" val="0"/>
+                  <a14:useLocalDpi xmlns:a14="http://schemas.microsoft.com/office/drawing/2010/main" xmlns="" val="0"/>
                 </a:ext>
               </a:extLst>
             </a:blip>
@@ -267,7 +700,7 @@
             <a:noFill/>
             <a:extLst>
               <a:ext uri="{909E8E84-426E-40DD-AFC4-6F175D3DCCD1}">
-                <a14:hiddenFill xmlns="" xmlns:a14="http://schemas.microsoft.com/office/drawing/2010/main">
+                <a14:hiddenFill xmlns:a14="http://schemas.microsoft.com/office/drawing/2010/main" xmlns="">
                   <a:solidFill>
                     <a:srgbClr val="FFFFFF"/>
                   </a:solidFill>
@@ -1316,7 +1749,7 @@
     </p:spTree>
     <p:extLst>
       <p:ext uri="{BB962C8B-B14F-4D97-AF65-F5344CB8AC3E}">
-        <p14:creationId xmlns="" xmlns:p14="http://schemas.microsoft.com/office/powerpoint/2010/main" val="2155599893"/>
+        <p14:creationId xmlns:p14="http://schemas.microsoft.com/office/powerpoint/2010/main" xmlns="" val="2155599893"/>
       </p:ext>
     </p:extLst>
   </p:cSld>
@@ -1474,7 +1907,7 @@
     </p:spTree>
     <p:extLst>
       <p:ext uri="{BB962C8B-B14F-4D97-AF65-F5344CB8AC3E}">
-        <p14:creationId xmlns="" xmlns:p14="http://schemas.microsoft.com/office/powerpoint/2010/main" val="2625538701"/>
+        <p14:creationId xmlns:p14="http://schemas.microsoft.com/office/powerpoint/2010/main" xmlns="" val="2625538701"/>
       </p:ext>
     </p:extLst>
   </p:cSld>
@@ -1702,7 +2135,7 @@
     </p:spTree>
     <p:extLst>
       <p:ext uri="{BB962C8B-B14F-4D97-AF65-F5344CB8AC3E}">
-        <p14:creationId xmlns="" xmlns:p14="http://schemas.microsoft.com/office/powerpoint/2010/main" val="1505370761"/>
+        <p14:creationId xmlns:p14="http://schemas.microsoft.com/office/powerpoint/2010/main" xmlns="" val="1505370761"/>
       </p:ext>
     </p:extLst>
   </p:cSld>
@@ -1948,7 +2381,7 @@
     </p:spTree>
     <p:extLst>
       <p:ext uri="{BB962C8B-B14F-4D97-AF65-F5344CB8AC3E}">
-        <p14:creationId xmlns="" xmlns:p14="http://schemas.microsoft.com/office/powerpoint/2010/main" val="1601618539"/>
+        <p14:creationId xmlns:p14="http://schemas.microsoft.com/office/powerpoint/2010/main" xmlns="" val="1601618539"/>
       </p:ext>
     </p:extLst>
   </p:cSld>
@@ -2332,7 +2765,7 @@
     </p:spTree>
     <p:extLst>
       <p:ext uri="{BB962C8B-B14F-4D97-AF65-F5344CB8AC3E}">
-        <p14:creationId xmlns="" xmlns:p14="http://schemas.microsoft.com/office/powerpoint/2010/main" val="171255179"/>
+        <p14:creationId xmlns:p14="http://schemas.microsoft.com/office/powerpoint/2010/main" xmlns="" val="171255179"/>
       </p:ext>
     </p:extLst>
   </p:cSld>
@@ -2434,7 +2867,7 @@
     </p:spTree>
     <p:extLst>
       <p:ext uri="{BB962C8B-B14F-4D97-AF65-F5344CB8AC3E}">
-        <p14:creationId xmlns="" xmlns:p14="http://schemas.microsoft.com/office/powerpoint/2010/main" val="4241946124"/>
+        <p14:creationId xmlns:p14="http://schemas.microsoft.com/office/powerpoint/2010/main" xmlns="" val="4241946124"/>
       </p:ext>
     </p:extLst>
   </p:cSld>
@@ -2472,7 +2905,7 @@
     </p:spTree>
     <p:extLst>
       <p:ext uri="{BB962C8B-B14F-4D97-AF65-F5344CB8AC3E}">
-        <p14:creationId xmlns="" xmlns:p14="http://schemas.microsoft.com/office/powerpoint/2010/main" val="3843733788"/>
+        <p14:creationId xmlns:p14="http://schemas.microsoft.com/office/powerpoint/2010/main" xmlns="" val="3843733788"/>
       </p:ext>
     </p:extLst>
   </p:cSld>
@@ -2768,7 +3201,7 @@
     </p:spTree>
     <p:extLst>
       <p:ext uri="{BB962C8B-B14F-4D97-AF65-F5344CB8AC3E}">
-        <p14:creationId xmlns="" xmlns:p14="http://schemas.microsoft.com/office/powerpoint/2010/main" val="680884878"/>
+        <p14:creationId xmlns:p14="http://schemas.microsoft.com/office/powerpoint/2010/main" xmlns="" val="680884878"/>
       </p:ext>
     </p:extLst>
   </p:cSld>
@@ -3817,7 +4250,7 @@
           <a:blip r:embed="rId10" cstate="print">
             <a:extLst>
               <a:ext uri="{28A0092B-C50C-407E-A947-70E740481C1C}">
-                <a14:useLocalDpi xmlns="" xmlns:a14="http://schemas.microsoft.com/office/drawing/2010/main" val="0"/>
+                <a14:useLocalDpi xmlns:a14="http://schemas.microsoft.com/office/drawing/2010/main" xmlns="" val="0"/>
               </a:ext>
             </a:extLst>
           </a:blip>
@@ -3835,7 +4268,7 @@
           <a:noFill/>
           <a:extLst>
             <a:ext uri="{909E8E84-426E-40DD-AFC4-6F175D3DCCD1}">
-              <a14:hiddenFill xmlns="" xmlns:a14="http://schemas.microsoft.com/office/drawing/2010/main">
+              <a14:hiddenFill xmlns:a14="http://schemas.microsoft.com/office/drawing/2010/main" xmlns="">
                 <a:solidFill>
                   <a:srgbClr val="FFFFFF"/>
                 </a:solidFill>
@@ -3856,7 +4289,7 @@
           <a:blip r:embed="rId11" cstate="print">
             <a:extLst>
               <a:ext uri="{28A0092B-C50C-407E-A947-70E740481C1C}">
-                <a14:useLocalDpi xmlns="" xmlns:a14="http://schemas.microsoft.com/office/drawing/2010/main" val="0"/>
+                <a14:useLocalDpi xmlns:a14="http://schemas.microsoft.com/office/drawing/2010/main" xmlns="" val="0"/>
               </a:ext>
             </a:extLst>
           </a:blip>
@@ -3876,7 +4309,7 @@
           <a:noFill/>
           <a:extLst>
             <a:ext uri="{909E8E84-426E-40DD-AFC4-6F175D3DCCD1}">
-              <a14:hiddenFill xmlns="" xmlns:a14="http://schemas.microsoft.com/office/drawing/2010/main">
+              <a14:hiddenFill xmlns:a14="http://schemas.microsoft.com/office/drawing/2010/main" xmlns="">
                 <a:solidFill>
                   <a:srgbClr val="FFFFFF"/>
                 </a:solidFill>
@@ -4034,7 +4467,7 @@
             <a:lum bright="70000" contrast="-70000"/>
             <a:extLst>
               <a:ext uri="{28A0092B-C50C-407E-A947-70E740481C1C}">
-                <a14:useLocalDpi xmlns="" xmlns:a14="http://schemas.microsoft.com/office/drawing/2010/main" val="0"/>
+                <a14:useLocalDpi xmlns:a14="http://schemas.microsoft.com/office/drawing/2010/main" xmlns="" val="0"/>
               </a:ext>
             </a:extLst>
           </a:blip>
@@ -4055,7 +4488,7 @@
     </p:spTree>
     <p:extLst>
       <p:ext uri="{BB962C8B-B14F-4D97-AF65-F5344CB8AC3E}">
-        <p14:creationId xmlns="" xmlns:p14="http://schemas.microsoft.com/office/powerpoint/2010/main" val="3080300347"/>
+        <p14:creationId xmlns:p14="http://schemas.microsoft.com/office/powerpoint/2010/main" xmlns="" val="3080300347"/>
       </p:ext>
     </p:extLst>
   </p:cSld>
@@ -4547,6 +4980,444 @@
       </p:grpSpPr>
       <p:sp>
         <p:nvSpPr>
+          <p:cNvPr id="5" name="Titre 4"/>
+          <p:cNvSpPr>
+            <a:spLocks noGrp="1"/>
+          </p:cNvSpPr>
+          <p:nvPr>
+            <p:ph type="ctrTitle"/>
+          </p:nvPr>
+        </p:nvSpPr>
+        <p:spPr>
+          <a:xfrm>
+            <a:off x="179512" y="1988840"/>
+            <a:ext cx="3240360" cy="1037977"/>
+          </a:xfrm>
+        </p:spPr>
+        <p:txBody>
+          <a:bodyPr>
+            <a:normAutofit/>
+          </a:bodyPr>
+          <a:lstStyle/>
+          <a:p>
+            <a:r>
+              <a:rPr lang="fr-FR" sz="4000" smtClean="0">
+                <a:solidFill>
+                  <a:schemeClr val="tx1">
+                    <a:lumMod val="50000"/>
+                  </a:schemeClr>
+                </a:solidFill>
+              </a:rPr>
+              <a:t>GLASIR</a:t>
+            </a:r>
+            <a:endParaRPr lang="fr-FR" sz="4000">
+              <a:solidFill>
+                <a:schemeClr val="tx1">
+                  <a:lumMod val="50000"/>
+                </a:schemeClr>
+              </a:solidFill>
+            </a:endParaRPr>
+          </a:p>
+        </p:txBody>
+      </p:sp>
+      <p:sp>
+        <p:nvSpPr>
+          <p:cNvPr id="6" name="Sous-titre 5"/>
+          <p:cNvSpPr>
+            <a:spLocks noGrp="1"/>
+          </p:cNvSpPr>
+          <p:nvPr>
+            <p:ph type="subTitle" idx="1"/>
+          </p:nvPr>
+        </p:nvSpPr>
+        <p:spPr>
+          <a:xfrm>
+            <a:off x="0" y="5229200"/>
+            <a:ext cx="9144000" cy="982960"/>
+          </a:xfrm>
+        </p:spPr>
+        <p:txBody>
+          <a:bodyPr>
+            <a:normAutofit/>
+          </a:bodyPr>
+          <a:lstStyle/>
+          <a:p>
+            <a:pPr algn="ctr"/>
+            <a:r>
+              <a:rPr lang="fr-FR" sz="2400" smtClean="0">
+                <a:solidFill>
+                  <a:schemeClr val="tx1">
+                    <a:lumMod val="50000"/>
+                  </a:schemeClr>
+                </a:solidFill>
+              </a:rPr>
+              <a:t>Est-il difficile de </a:t>
+            </a:r>
+            <a:r>
+              <a:rPr lang="fr-FR" sz="2400" smtClean="0">
+                <a:solidFill>
+                  <a:schemeClr val="tx1">
+                    <a:lumMod val="50000"/>
+                  </a:schemeClr>
+                </a:solidFill>
+              </a:rPr>
+              <a:t>paralyser </a:t>
+            </a:r>
+            <a:endParaRPr lang="fr-FR" sz="2400" smtClean="0">
+              <a:solidFill>
+                <a:schemeClr val="tx1">
+                  <a:lumMod val="50000"/>
+                </a:schemeClr>
+              </a:solidFill>
+            </a:endParaRPr>
+          </a:p>
+          <a:p>
+            <a:pPr algn="ctr"/>
+            <a:r>
+              <a:rPr lang="fr-FR" sz="2400" smtClean="0">
+                <a:solidFill>
+                  <a:schemeClr val="tx1">
+                    <a:lumMod val="50000"/>
+                  </a:schemeClr>
+                </a:solidFill>
+              </a:rPr>
+              <a:t>les </a:t>
+            </a:r>
+            <a:r>
+              <a:rPr lang="fr-FR" sz="2400" smtClean="0">
+                <a:solidFill>
+                  <a:schemeClr val="tx1">
+                    <a:lumMod val="50000"/>
+                  </a:schemeClr>
+                </a:solidFill>
+              </a:rPr>
+              <a:t>transports </a:t>
+            </a:r>
+            <a:r>
+              <a:rPr lang="fr-FR" sz="2400" smtClean="0">
+                <a:solidFill>
+                  <a:schemeClr val="tx1">
+                    <a:lumMod val="50000"/>
+                  </a:schemeClr>
+                </a:solidFill>
+              </a:rPr>
+              <a:t>en commun </a:t>
+            </a:r>
+            <a:r>
+              <a:rPr lang="fr-FR" sz="2400" smtClean="0">
+                <a:solidFill>
+                  <a:schemeClr val="tx1">
+                    <a:lumMod val="50000"/>
+                  </a:schemeClr>
+                </a:solidFill>
+              </a:rPr>
+              <a:t>à </a:t>
+            </a:r>
+            <a:r>
+              <a:rPr lang="fr-FR" sz="2400" smtClean="0">
+                <a:solidFill>
+                  <a:schemeClr val="tx1">
+                    <a:lumMod val="50000"/>
+                  </a:schemeClr>
+                </a:solidFill>
+              </a:rPr>
+              <a:t>Rennes ?</a:t>
+            </a:r>
+            <a:endParaRPr lang="fr-FR" sz="2400">
+              <a:solidFill>
+                <a:schemeClr val="tx1">
+                  <a:lumMod val="50000"/>
+                </a:schemeClr>
+              </a:solidFill>
+            </a:endParaRPr>
+          </a:p>
+        </p:txBody>
+      </p:sp>
+      <p:sp>
+        <p:nvSpPr>
+          <p:cNvPr id="7" name="ZoneTexte 6"/>
+          <p:cNvSpPr txBox="1"/>
+          <p:nvPr/>
+        </p:nvSpPr>
+        <p:spPr>
+          <a:xfrm>
+            <a:off x="6156176" y="332656"/>
+            <a:ext cx="2664296" cy="1261884"/>
+          </a:xfrm>
+          <a:prstGeom prst="rect">
+            <a:avLst/>
+          </a:prstGeom>
+          <a:noFill/>
+        </p:spPr>
+        <p:txBody>
+          <a:bodyPr wrap="square" rtlCol="0">
+            <a:spAutoFit/>
+          </a:bodyPr>
+          <a:lstStyle/>
+          <a:p>
+            <a:pPr algn="r"/>
+            <a:r>
+              <a:rPr lang="fr-FR" b="1" smtClean="0">
+                <a:solidFill>
+                  <a:schemeClr val="tx1">
+                    <a:lumMod val="50000"/>
+                  </a:schemeClr>
+                </a:solidFill>
+              </a:rPr>
+              <a:t>Encadrants</a:t>
+            </a:r>
+          </a:p>
+          <a:p>
+            <a:pPr algn="r"/>
+            <a:r>
+              <a:rPr lang="fr-FR" smtClean="0">
+                <a:solidFill>
+                  <a:schemeClr val="tx1">
+                    <a:lumMod val="50000"/>
+                  </a:schemeClr>
+                </a:solidFill>
+              </a:rPr>
+              <a:t>Gildas Avoine</a:t>
+            </a:r>
+          </a:p>
+          <a:p>
+            <a:pPr algn="r"/>
+            <a:r>
+              <a:rPr lang="fr-FR" smtClean="0">
+                <a:solidFill>
+                  <a:schemeClr val="tx1">
+                    <a:lumMod val="50000"/>
+                  </a:schemeClr>
+                </a:solidFill>
+              </a:rPr>
+              <a:t>Barbara Kordy</a:t>
+            </a:r>
+          </a:p>
+          <a:p>
+            <a:pPr algn="r"/>
+            <a:endParaRPr lang="fr-FR" sz="2000" b="1" smtClean="0">
+              <a:ln w="12700">
+                <a:solidFill>
+                  <a:schemeClr val="tx2">
+                    <a:satMod val="155000"/>
+                  </a:schemeClr>
+                </a:solidFill>
+                <a:prstDash val="solid"/>
+              </a:ln>
+              <a:solidFill>
+                <a:schemeClr val="bg2">
+                  <a:tint val="85000"/>
+                  <a:satMod val="155000"/>
+                </a:schemeClr>
+              </a:solidFill>
+              <a:effectLst>
+                <a:outerShdw blurRad="41275" dist="20320" dir="1800000" algn="tl" rotWithShape="0">
+                  <a:srgbClr val="000000">
+                    <a:alpha val="40000"/>
+                  </a:srgbClr>
+                </a:outerShdw>
+              </a:effectLst>
+            </a:endParaRPr>
+          </a:p>
+        </p:txBody>
+      </p:sp>
+      <p:sp>
+        <p:nvSpPr>
+          <p:cNvPr id="8" name="ZoneTexte 7"/>
+          <p:cNvSpPr txBox="1"/>
+          <p:nvPr/>
+        </p:nvSpPr>
+        <p:spPr>
+          <a:xfrm>
+            <a:off x="5796136" y="2564904"/>
+            <a:ext cx="3024336" cy="2031325"/>
+          </a:xfrm>
+          <a:prstGeom prst="rect">
+            <a:avLst/>
+          </a:prstGeom>
+          <a:noFill/>
+        </p:spPr>
+        <p:txBody>
+          <a:bodyPr wrap="square" rtlCol="0">
+            <a:spAutoFit/>
+          </a:bodyPr>
+          <a:lstStyle/>
+          <a:p>
+            <a:pPr algn="r"/>
+            <a:r>
+              <a:rPr lang="fr-FR" b="1" smtClean="0">
+                <a:solidFill>
+                  <a:schemeClr val="tx1">
+                    <a:lumMod val="50000"/>
+                  </a:schemeClr>
+                </a:solidFill>
+              </a:rPr>
+              <a:t>Étudiants</a:t>
+            </a:r>
+          </a:p>
+          <a:p>
+            <a:pPr algn="r"/>
+            <a:r>
+              <a:rPr lang="fr-FR" smtClean="0">
+                <a:solidFill>
+                  <a:schemeClr val="tx1">
+                    <a:lumMod val="50000"/>
+                  </a:schemeClr>
+                </a:solidFill>
+              </a:rPr>
+              <a:t>Pierre-Marie Airiau</a:t>
+            </a:r>
+          </a:p>
+          <a:p>
+            <a:pPr algn="r"/>
+            <a:r>
+              <a:rPr lang="fr-FR" smtClean="0">
+                <a:solidFill>
+                  <a:schemeClr val="tx1">
+                    <a:lumMod val="50000"/>
+                  </a:schemeClr>
+                </a:solidFill>
+              </a:rPr>
+              <a:t>Valentin Esmieu</a:t>
+            </a:r>
+          </a:p>
+          <a:p>
+            <a:pPr algn="r"/>
+            <a:r>
+              <a:rPr lang="fr-FR" smtClean="0">
+                <a:solidFill>
+                  <a:schemeClr val="tx1">
+                    <a:lumMod val="50000"/>
+                  </a:schemeClr>
+                </a:solidFill>
+              </a:rPr>
+              <a:t>Hoel Kervadec</a:t>
+            </a:r>
+          </a:p>
+          <a:p>
+            <a:pPr algn="r"/>
+            <a:r>
+              <a:rPr lang="fr-FR" smtClean="0">
+                <a:solidFill>
+                  <a:schemeClr val="tx1">
+                    <a:lumMod val="50000"/>
+                  </a:schemeClr>
+                </a:solidFill>
+              </a:rPr>
+              <a:t>Maud Leray</a:t>
+            </a:r>
+          </a:p>
+          <a:p>
+            <a:pPr algn="r"/>
+            <a:r>
+              <a:rPr lang="fr-FR" smtClean="0">
+                <a:solidFill>
+                  <a:schemeClr val="tx1">
+                    <a:lumMod val="50000"/>
+                  </a:schemeClr>
+                </a:solidFill>
+              </a:rPr>
+              <a:t>Florent Mallard</a:t>
+            </a:r>
+          </a:p>
+          <a:p>
+            <a:pPr algn="r"/>
+            <a:r>
+              <a:rPr lang="fr-FR" smtClean="0">
+                <a:solidFill>
+                  <a:schemeClr val="tx1">
+                    <a:lumMod val="50000"/>
+                  </a:schemeClr>
+                </a:solidFill>
+              </a:rPr>
+              <a:t>Corentin Nicole</a:t>
+            </a:r>
+            <a:endParaRPr lang="fr-FR" smtClean="0">
+              <a:solidFill>
+                <a:schemeClr val="tx1">
+                  <a:lumMod val="50000"/>
+                </a:schemeClr>
+              </a:solidFill>
+            </a:endParaRPr>
+          </a:p>
+        </p:txBody>
+      </p:sp>
+      <p:sp>
+        <p:nvSpPr>
+          <p:cNvPr id="10" name="ZoneTexte 9"/>
+          <p:cNvSpPr txBox="1"/>
+          <p:nvPr/>
+        </p:nvSpPr>
+        <p:spPr>
+          <a:xfrm>
+            <a:off x="179512" y="2924944"/>
+            <a:ext cx="3312368" cy="369332"/>
+          </a:xfrm>
+          <a:prstGeom prst="rect">
+            <a:avLst/>
+          </a:prstGeom>
+          <a:noFill/>
+        </p:spPr>
+        <p:txBody>
+          <a:bodyPr wrap="square" rtlCol="0">
+            <a:spAutoFit/>
+          </a:bodyPr>
+          <a:lstStyle/>
+          <a:p>
+            <a:r>
+              <a:rPr lang="fr-FR" smtClean="0">
+                <a:solidFill>
+                  <a:schemeClr val="tx1">
+                    <a:lumMod val="50000"/>
+                  </a:schemeClr>
+                </a:solidFill>
+              </a:rPr>
+              <a:t>Logiciel d’analyse de sécurité</a:t>
+            </a:r>
+            <a:endParaRPr lang="fr-FR">
+              <a:solidFill>
+                <a:schemeClr val="tx1">
+                  <a:lumMod val="50000"/>
+                </a:schemeClr>
+              </a:solidFill>
+            </a:endParaRPr>
+          </a:p>
+        </p:txBody>
+      </p:sp>
+    </p:spTree>
+  </p:cSld>
+  <p:clrMapOvr>
+    <a:masterClrMapping/>
+  </p:clrMapOvr>
+  <p:timing>
+    <p:tnLst>
+      <p:par>
+        <p:cTn id="1" dur="indefinite" restart="never" nodeType="tmRoot"/>
+      </p:par>
+    </p:tnLst>
+  </p:timing>
+</p:sld>
+</file>
+
+<file path=ppt/slides/slide3.xml><?xml version="1.0" encoding="utf-8"?>
+<p:sld xmlns:a="http://schemas.openxmlformats.org/drawingml/2006/main" xmlns:r="http://schemas.openxmlformats.org/officeDocument/2006/relationships" xmlns:p="http://schemas.openxmlformats.org/presentationml/2006/main">
+  <p:cSld>
+    <p:spTree>
+      <p:nvGrpSpPr>
+        <p:cNvPr id="1" name=""/>
+        <p:cNvGrpSpPr/>
+        <p:nvPr/>
+      </p:nvGrpSpPr>
+      <p:grpSpPr>
+        <a:xfrm>
+          <a:off x="0" y="0"/>
+          <a:ext cx="0" cy="0"/>
+          <a:chOff x="0" y="0"/>
+          <a:chExt cx="0" cy="0"/>
+        </a:xfrm>
+      </p:grpSpPr>
+      <p:sp>
+        <p:nvSpPr>
           <p:cNvPr id="2" name="Titre 1"/>
           <p:cNvSpPr>
             <a:spLocks noGrp="1"/>
@@ -4574,7 +5445,12 @@
             <p:ph idx="1"/>
           </p:nvPr>
         </p:nvSpPr>
-        <p:spPr/>
+        <p:spPr>
+          <a:xfrm>
+            <a:off x="457200" y="908720"/>
+            <a:ext cx="8229600" cy="1008112"/>
+          </a:xfrm>
+        </p:spPr>
         <p:txBody>
           <a:bodyPr>
             <a:normAutofit/>
@@ -4584,11 +5460,7 @@
             <a:pPr algn="ctr"/>
             <a:r>
               <a:rPr lang="fr-FR" sz="4800" smtClean="0"/>
-              <a:t> </a:t>
-            </a:r>
-            <a:r>
-              <a:rPr lang="fr-FR" sz="4800" smtClean="0"/>
-              <a:t>16 et 18 mai 2012</a:t>
+              <a:t> 16 et 18 mai 2012</a:t>
             </a:r>
           </a:p>
           <a:p>
@@ -4601,14 +5473,6 @@
           </a:p>
           <a:p>
             <a:pPr algn="ctr"/>
-            <a:endParaRPr lang="fr-FR" sz="4800" smtClean="0"/>
-          </a:p>
-          <a:p>
-            <a:pPr algn="ctr"/>
-            <a:r>
-              <a:rPr lang="fr-FR" sz="4800" smtClean="0"/>
-              <a:t>Le métro rennais paralysé</a:t>
-            </a:r>
             <a:endParaRPr lang="fr-FR" sz="4800" smtClean="0"/>
           </a:p>
           <a:p>
@@ -4638,7 +5502,103 @@
           </a:bodyPr>
           <a:lstStyle/>
           <a:p>
+            <a:r>
+              <a:rPr lang="fr-FR" smtClean="0"/>
+              <a:t>Introduction</a:t>
+            </a:r>
             <a:endParaRPr lang="fr-FR"/>
+          </a:p>
+        </p:txBody>
+      </p:sp>
+      <p:pic>
+        <p:nvPicPr>
+          <p:cNvPr id="5" name="Image 4" descr="logo-metro-rennes.png"/>
+          <p:cNvPicPr>
+            <a:picLocks noChangeAspect="1"/>
+          </p:cNvPicPr>
+          <p:nvPr/>
+        </p:nvPicPr>
+        <p:blipFill>
+          <a:blip r:embed="rId2" cstate="print"/>
+          <a:stretch>
+            <a:fillRect/>
+          </a:stretch>
+        </p:blipFill>
+        <p:spPr>
+          <a:xfrm>
+            <a:off x="3779912" y="2492896"/>
+            <a:ext cx="1524000" cy="1524000"/>
+          </a:xfrm>
+          <a:prstGeom prst="rect">
+            <a:avLst/>
+          </a:prstGeom>
+        </p:spPr>
+      </p:pic>
+      <p:pic>
+        <p:nvPicPr>
+          <p:cNvPr id="10" name="Image 9" descr="logo-metro-rennes.png"/>
+          <p:cNvPicPr>
+            <a:picLocks noChangeAspect="1"/>
+          </p:cNvPicPr>
+          <p:nvPr/>
+        </p:nvPicPr>
+        <p:blipFill>
+          <a:blip r:embed="rId2" cstate="print">
+            <a:duotone>
+              <a:prstClr val="black"/>
+              <a:schemeClr val="accent5">
+                <a:tint val="45000"/>
+                <a:satMod val="400000"/>
+              </a:schemeClr>
+            </a:duotone>
+          </a:blip>
+          <a:stretch>
+            <a:fillRect/>
+          </a:stretch>
+        </p:blipFill>
+        <p:spPr>
+          <a:xfrm>
+            <a:off x="3779912" y="2492896"/>
+            <a:ext cx="1524000" cy="1524000"/>
+          </a:xfrm>
+          <a:prstGeom prst="rect">
+            <a:avLst/>
+          </a:prstGeom>
+        </p:spPr>
+      </p:pic>
+      <p:sp>
+        <p:nvSpPr>
+          <p:cNvPr id="11" name="ZoneTexte 10"/>
+          <p:cNvSpPr txBox="1"/>
+          <p:nvPr/>
+        </p:nvSpPr>
+        <p:spPr>
+          <a:xfrm>
+            <a:off x="0" y="4581128"/>
+            <a:ext cx="9144000" cy="830997"/>
+          </a:xfrm>
+          <a:prstGeom prst="rect">
+            <a:avLst/>
+          </a:prstGeom>
+          <a:noFill/>
+        </p:spPr>
+        <p:txBody>
+          <a:bodyPr wrap="square" rtlCol="0">
+            <a:spAutoFit/>
+          </a:bodyPr>
+          <a:lstStyle/>
+          <a:p>
+            <a:pPr algn="ctr"/>
+            <a:r>
+              <a:rPr lang="fr-FR" sz="4800" b="1" smtClean="0">
+                <a:solidFill>
+                  <a:srgbClr val="004D6F"/>
+                </a:solidFill>
+                <a:latin typeface="Arial" pitchFamily="34" charset="0"/>
+                <a:cs typeface="Arial" pitchFamily="34" charset="0"/>
+              </a:rPr>
+              <a:t>le métro rennais paralysé</a:t>
+            </a:r>
           </a:p>
         </p:txBody>
       </p:sp>
@@ -4647,6 +5607,210 @@
   <p:clrMapOvr>
     <a:masterClrMapping/>
   </p:clrMapOvr>
+  <p:timing>
+    <p:tnLst>
+      <p:par>
+        <p:cTn id="1" dur="indefinite" restart="never" nodeType="tmRoot">
+          <p:childTnLst>
+            <p:seq concurrent="1" nextAc="seek">
+              <p:cTn id="2" dur="indefinite" nodeType="mainSeq">
+                <p:childTnLst>
+                  <p:par>
+                    <p:cTn id="3" fill="hold">
+                      <p:stCondLst>
+                        <p:cond delay="indefinite"/>
+                      </p:stCondLst>
+                      <p:childTnLst>
+                        <p:par>
+                          <p:cTn id="4" fill="hold">
+                            <p:stCondLst>
+                              <p:cond delay="0"/>
+                            </p:stCondLst>
+                            <p:childTnLst>
+                              <p:par>
+                                <p:cTn id="5" presetID="1" presetClass="entr" presetSubtype="0" fill="hold" grpId="0" nodeType="clickEffect">
+                                  <p:stCondLst>
+                                    <p:cond delay="0"/>
+                                  </p:stCondLst>
+                                  <p:childTnLst>
+                                    <p:set>
+                                      <p:cBhvr>
+                                        <p:cTn id="6" dur="1" fill="hold">
+                                          <p:stCondLst>
+                                            <p:cond delay="0"/>
+                                          </p:stCondLst>
+                                        </p:cTn>
+                                        <p:tgtEl>
+                                          <p:spTgt spid="11"/>
+                                        </p:tgtEl>
+                                        <p:attrNameLst>
+                                          <p:attrName>style.visibility</p:attrName>
+                                        </p:attrNameLst>
+                                      </p:cBhvr>
+                                      <p:to>
+                                        <p:strVal val="visible"/>
+                                      </p:to>
+                                    </p:set>
+                                  </p:childTnLst>
+                                </p:cTn>
+                              </p:par>
+                              <p:par>
+                                <p:cTn id="7" presetID="10" presetClass="entr" presetSubtype="0" fill="hold" nodeType="withEffect">
+                                  <p:stCondLst>
+                                    <p:cond delay="0"/>
+                                  </p:stCondLst>
+                                  <p:childTnLst>
+                                    <p:set>
+                                      <p:cBhvr>
+                                        <p:cTn id="8" dur="1" fill="hold">
+                                          <p:stCondLst>
+                                            <p:cond delay="0"/>
+                                          </p:stCondLst>
+                                        </p:cTn>
+                                        <p:tgtEl>
+                                          <p:spTgt spid="10"/>
+                                        </p:tgtEl>
+                                        <p:attrNameLst>
+                                          <p:attrName>style.visibility</p:attrName>
+                                        </p:attrNameLst>
+                                      </p:cBhvr>
+                                      <p:to>
+                                        <p:strVal val="visible"/>
+                                      </p:to>
+                                    </p:set>
+                                    <p:animEffect transition="in" filter="fade">
+                                      <p:cBhvr>
+                                        <p:cTn id="9" dur="2000"/>
+                                        <p:tgtEl>
+                                          <p:spTgt spid="10"/>
+                                        </p:tgtEl>
+                                      </p:cBhvr>
+                                    </p:animEffect>
+                                  </p:childTnLst>
+                                </p:cTn>
+                              </p:par>
+                            </p:childTnLst>
+                          </p:cTn>
+                        </p:par>
+                      </p:childTnLst>
+                    </p:cTn>
+                  </p:par>
+                </p:childTnLst>
+              </p:cTn>
+              <p:prevCondLst>
+                <p:cond evt="onPrev" delay="0">
+                  <p:tgtEl>
+                    <p:sldTgt/>
+                  </p:tgtEl>
+                </p:cond>
+              </p:prevCondLst>
+              <p:nextCondLst>
+                <p:cond evt="onNext" delay="0">
+                  <p:tgtEl>
+                    <p:sldTgt/>
+                  </p:tgtEl>
+                </p:cond>
+              </p:nextCondLst>
+            </p:seq>
+          </p:childTnLst>
+        </p:cTn>
+      </p:par>
+    </p:tnLst>
+    <p:bldLst>
+      <p:bldP spid="11" grpId="0"/>
+    </p:bldLst>
+  </p:timing>
+</p:sld>
+</file>
+
+<file path=ppt/slides/slide4.xml><?xml version="1.0" encoding="utf-8"?>
+<p:sld xmlns:a="http://schemas.openxmlformats.org/drawingml/2006/main" xmlns:r="http://schemas.openxmlformats.org/officeDocument/2006/relationships" xmlns:p="http://schemas.openxmlformats.org/presentationml/2006/main">
+  <p:cSld>
+    <p:spTree>
+      <p:nvGrpSpPr>
+        <p:cNvPr id="1" name=""/>
+        <p:cNvGrpSpPr/>
+        <p:nvPr/>
+      </p:nvGrpSpPr>
+      <p:grpSpPr>
+        <a:xfrm>
+          <a:off x="0" y="0"/>
+          <a:ext cx="0" cy="0"/>
+          <a:chOff x="0" y="0"/>
+          <a:chExt cx="0" cy="0"/>
+        </a:xfrm>
+      </p:grpSpPr>
+      <p:sp>
+        <p:nvSpPr>
+          <p:cNvPr id="2" name="Titre 1"/>
+          <p:cNvSpPr>
+            <a:spLocks noGrp="1"/>
+          </p:cNvSpPr>
+          <p:nvPr>
+            <p:ph type="title"/>
+          </p:nvPr>
+        </p:nvSpPr>
+        <p:spPr/>
+        <p:txBody>
+          <a:bodyPr/>
+          <a:lstStyle/>
+          <a:p>
+            <a:endParaRPr lang="fr-FR"/>
+          </a:p>
+        </p:txBody>
+      </p:sp>
+      <p:sp>
+        <p:nvSpPr>
+          <p:cNvPr id="3" name="Espace réservé du contenu 2"/>
+          <p:cNvSpPr>
+            <a:spLocks noGrp="1"/>
+          </p:cNvSpPr>
+          <p:nvPr>
+            <p:ph idx="1"/>
+          </p:nvPr>
+        </p:nvSpPr>
+        <p:spPr/>
+        <p:txBody>
+          <a:bodyPr/>
+          <a:lstStyle/>
+          <a:p>
+            <a:endParaRPr lang="fr-FR"/>
+          </a:p>
+        </p:txBody>
+      </p:sp>
+      <p:sp>
+        <p:nvSpPr>
+          <p:cNvPr id="4" name="Espace réservé du texte 3"/>
+          <p:cNvSpPr>
+            <a:spLocks noGrp="1"/>
+          </p:cNvSpPr>
+          <p:nvPr>
+            <p:ph type="body" sz="quarter" idx="10"/>
+          </p:nvPr>
+        </p:nvSpPr>
+        <p:spPr/>
+        <p:txBody>
+          <a:bodyPr>
+            <a:normAutofit fontScale="92500" lnSpcReduction="20000"/>
+          </a:bodyPr>
+          <a:lstStyle/>
+          <a:p>
+            <a:endParaRPr lang="fr-FR"/>
+          </a:p>
+        </p:txBody>
+      </p:sp>
+    </p:spTree>
+  </p:cSld>
+  <p:clrMapOvr>
+    <a:masterClrMapping/>
+  </p:clrMapOvr>
+  <p:timing>
+    <p:tnLst>
+      <p:par>
+        <p:cTn id="1" dur="indefinite" restart="never" nodeType="tmRoot"/>
+      </p:par>
+    </p:tnLst>
+  </p:timing>
 </p:sld>
 </file>
 
@@ -4933,4 +6097,287 @@
   <a:objectDefaults/>
   <a:extraClrSchemeLst/>
 </a:theme>
+</file>
+
+<file path=ppt/theme/theme2.xml><?xml version="1.0" encoding="utf-8"?>
+<a:theme xmlns:a="http://schemas.openxmlformats.org/drawingml/2006/main" name="Thème Office">
+  <a:themeElements>
+    <a:clrScheme name="Office">
+      <a:dk1>
+        <a:sysClr val="windowText" lastClr="000000"/>
+      </a:dk1>
+      <a:lt1>
+        <a:sysClr val="window" lastClr="FFFFFF"/>
+      </a:lt1>
+      <a:dk2>
+        <a:srgbClr val="1F497D"/>
+      </a:dk2>
+      <a:lt2>
+        <a:srgbClr val="EEECE1"/>
+      </a:lt2>
+      <a:accent1>
+        <a:srgbClr val="4F81BD"/>
+      </a:accent1>
+      <a:accent2>
+        <a:srgbClr val="C0504D"/>
+      </a:accent2>
+      <a:accent3>
+        <a:srgbClr val="9BBB59"/>
+      </a:accent3>
+      <a:accent4>
+        <a:srgbClr val="8064A2"/>
+      </a:accent4>
+      <a:accent5>
+        <a:srgbClr val="4BACC6"/>
+      </a:accent5>
+      <a:accent6>
+        <a:srgbClr val="F79646"/>
+      </a:accent6>
+      <a:hlink>
+        <a:srgbClr val="0000FF"/>
+      </a:hlink>
+      <a:folHlink>
+        <a:srgbClr val="800080"/>
+      </a:folHlink>
+    </a:clrScheme>
+    <a:fontScheme name="Office">
+      <a:majorFont>
+        <a:latin typeface="Calibri"/>
+        <a:ea typeface=""/>
+        <a:cs typeface=""/>
+        <a:font script="Jpan" typeface="ＭＳ Ｐゴシック"/>
+        <a:font script="Hang" typeface="맑은 고딕"/>
+        <a:font script="Hans" typeface="宋体"/>
+        <a:font script="Hant" typeface="新細明體"/>
+        <a:font script="Arab" typeface="Times New Roman"/>
+        <a:font script="Hebr" typeface="Times New Roman"/>
+        <a:font script="Thai" typeface="Angsana New"/>
+        <a:font script="Ethi" typeface="Nyala"/>
+        <a:font script="Beng" typeface="Vrinda"/>
+        <a:font script="Gujr" typeface="Shruti"/>
+        <a:font script="Khmr" typeface="MoolBoran"/>
+        <a:font script="Knda" typeface="Tunga"/>
+        <a:font script="Guru" typeface="Raavi"/>
+        <a:font script="Cans" typeface="Euphemia"/>
+        <a:font script="Cher" typeface="Plantagenet Cherokee"/>
+        <a:font script="Yiii" typeface="Microsoft Yi Baiti"/>
+        <a:font script="Tibt" typeface="Microsoft Himalaya"/>
+        <a:font script="Thaa" typeface="MV Boli"/>
+        <a:font script="Deva" typeface="Mangal"/>
+        <a:font script="Telu" typeface="Gautami"/>
+        <a:font script="Taml" typeface="Latha"/>
+        <a:font script="Syrc" typeface="Estrangelo Edessa"/>
+        <a:font script="Orya" typeface="Kalinga"/>
+        <a:font script="Mlym" typeface="Kartika"/>
+        <a:font script="Laoo" typeface="DokChampa"/>
+        <a:font script="Sinh" typeface="Iskoola Pota"/>
+        <a:font script="Mong" typeface="Mongolian Baiti"/>
+        <a:font script="Viet" typeface="Times New Roman"/>
+        <a:font script="Uigh" typeface="Microsoft Uighur"/>
+      </a:majorFont>
+      <a:minorFont>
+        <a:latin typeface="Calibri"/>
+        <a:ea typeface=""/>
+        <a:cs typeface=""/>
+        <a:font script="Jpan" typeface="ＭＳ Ｐゴシック"/>
+        <a:font script="Hang" typeface="맑은 고딕"/>
+        <a:font script="Hans" typeface="宋体"/>
+        <a:font script="Hant" typeface="新細明體"/>
+        <a:font script="Arab" typeface="Arial"/>
+        <a:font script="Hebr" typeface="Arial"/>
+        <a:font script="Thai" typeface="Cordia New"/>
+        <a:font script="Ethi" typeface="Nyala"/>
+        <a:font script="Beng" typeface="Vrinda"/>
+        <a:font script="Gujr" typeface="Shruti"/>
+        <a:font script="Khmr" typeface="DaunPenh"/>
+        <a:font script="Knda" typeface="Tunga"/>
+        <a:font script="Guru" typeface="Raavi"/>
+        <a:font script="Cans" typeface="Euphemia"/>
+        <a:font script="Cher" typeface="Plantagenet Cherokee"/>
+        <a:font script="Yiii" typeface="Microsoft Yi Baiti"/>
+        <a:font script="Tibt" typeface="Microsoft Himalaya"/>
+        <a:font script="Thaa" typeface="MV Boli"/>
+        <a:font script="Deva" typeface="Mangal"/>
+        <a:font script="Telu" typeface="Gautami"/>
+        <a:font script="Taml" typeface="Latha"/>
+        <a:font script="Syrc" typeface="Estrangelo Edessa"/>
+        <a:font script="Orya" typeface="Kalinga"/>
+        <a:font script="Mlym" typeface="Kartika"/>
+        <a:font script="Laoo" typeface="DokChampa"/>
+        <a:font script="Sinh" typeface="Iskoola Pota"/>
+        <a:font script="Mong" typeface="Mongolian Baiti"/>
+        <a:font script="Viet" typeface="Arial"/>
+        <a:font script="Uigh" typeface="Microsoft Uighur"/>
+      </a:minorFont>
+    </a:fontScheme>
+    <a:fmtScheme name="Office">
+      <a:fillStyleLst>
+        <a:solidFill>
+          <a:schemeClr val="phClr"/>
+        </a:solidFill>
+        <a:gradFill rotWithShape="1">
+          <a:gsLst>
+            <a:gs pos="0">
+              <a:schemeClr val="phClr">
+                <a:tint val="50000"/>
+                <a:satMod val="300000"/>
+              </a:schemeClr>
+            </a:gs>
+            <a:gs pos="35000">
+              <a:schemeClr val="phClr">
+                <a:tint val="37000"/>
+                <a:satMod val="300000"/>
+              </a:schemeClr>
+            </a:gs>
+            <a:gs pos="100000">
+              <a:schemeClr val="phClr">
+                <a:tint val="15000"/>
+                <a:satMod val="350000"/>
+              </a:schemeClr>
+            </a:gs>
+          </a:gsLst>
+          <a:lin ang="16200000" scaled="1"/>
+        </a:gradFill>
+        <a:gradFill rotWithShape="1">
+          <a:gsLst>
+            <a:gs pos="0">
+              <a:schemeClr val="phClr">
+                <a:shade val="51000"/>
+                <a:satMod val="130000"/>
+              </a:schemeClr>
+            </a:gs>
+            <a:gs pos="80000">
+              <a:schemeClr val="phClr">
+                <a:shade val="93000"/>
+                <a:satMod val="130000"/>
+              </a:schemeClr>
+            </a:gs>
+            <a:gs pos="100000">
+              <a:schemeClr val="phClr">
+                <a:shade val="94000"/>
+                <a:satMod val="135000"/>
+              </a:schemeClr>
+            </a:gs>
+          </a:gsLst>
+          <a:lin ang="16200000" scaled="0"/>
+        </a:gradFill>
+      </a:fillStyleLst>
+      <a:lnStyleLst>
+        <a:ln w="9525" cap="flat" cmpd="sng" algn="ctr">
+          <a:solidFill>
+            <a:schemeClr val="phClr">
+              <a:shade val="95000"/>
+              <a:satMod val="105000"/>
+            </a:schemeClr>
+          </a:solidFill>
+          <a:prstDash val="solid"/>
+        </a:ln>
+        <a:ln w="25400" cap="flat" cmpd="sng" algn="ctr">
+          <a:solidFill>
+            <a:schemeClr val="phClr"/>
+          </a:solidFill>
+          <a:prstDash val="solid"/>
+        </a:ln>
+        <a:ln w="38100" cap="flat" cmpd="sng" algn="ctr">
+          <a:solidFill>
+            <a:schemeClr val="phClr"/>
+          </a:solidFill>
+          <a:prstDash val="solid"/>
+        </a:ln>
+      </a:lnStyleLst>
+      <a:effectStyleLst>
+        <a:effectStyle>
+          <a:effectLst>
+            <a:outerShdw blurRad="40000" dist="20000" dir="5400000" rotWithShape="0">
+              <a:srgbClr val="000000">
+                <a:alpha val="38000"/>
+              </a:srgbClr>
+            </a:outerShdw>
+          </a:effectLst>
+        </a:effectStyle>
+        <a:effectStyle>
+          <a:effectLst>
+            <a:outerShdw blurRad="40000" dist="23000" dir="5400000" rotWithShape="0">
+              <a:srgbClr val="000000">
+                <a:alpha val="35000"/>
+              </a:srgbClr>
+            </a:outerShdw>
+          </a:effectLst>
+        </a:effectStyle>
+        <a:effectStyle>
+          <a:effectLst>
+            <a:outerShdw blurRad="40000" dist="23000" dir="5400000" rotWithShape="0">
+              <a:srgbClr val="000000">
+                <a:alpha val="35000"/>
+              </a:srgbClr>
+            </a:outerShdw>
+          </a:effectLst>
+          <a:scene3d>
+            <a:camera prst="orthographicFront">
+              <a:rot lat="0" lon="0" rev="0"/>
+            </a:camera>
+            <a:lightRig rig="threePt" dir="t">
+              <a:rot lat="0" lon="0" rev="1200000"/>
+            </a:lightRig>
+          </a:scene3d>
+          <a:sp3d>
+            <a:bevelT w="63500" h="25400"/>
+          </a:sp3d>
+        </a:effectStyle>
+      </a:effectStyleLst>
+      <a:bgFillStyleLst>
+        <a:solidFill>
+          <a:schemeClr val="phClr"/>
+        </a:solidFill>
+        <a:gradFill rotWithShape="1">
+          <a:gsLst>
+            <a:gs pos="0">
+              <a:schemeClr val="phClr">
+                <a:tint val="40000"/>
+                <a:satMod val="350000"/>
+              </a:schemeClr>
+            </a:gs>
+            <a:gs pos="40000">
+              <a:schemeClr val="phClr">
+                <a:tint val="45000"/>
+                <a:shade val="99000"/>
+                <a:satMod val="350000"/>
+              </a:schemeClr>
+            </a:gs>
+            <a:gs pos="100000">
+              <a:schemeClr val="phClr">
+                <a:shade val="20000"/>
+                <a:satMod val="255000"/>
+              </a:schemeClr>
+            </a:gs>
+          </a:gsLst>
+          <a:path path="circle">
+            <a:fillToRect l="50000" t="-80000" r="50000" b="180000"/>
+          </a:path>
+        </a:gradFill>
+        <a:gradFill rotWithShape="1">
+          <a:gsLst>
+            <a:gs pos="0">
+              <a:schemeClr val="phClr">
+                <a:tint val="80000"/>
+                <a:satMod val="300000"/>
+              </a:schemeClr>
+            </a:gs>
+            <a:gs pos="100000">
+              <a:schemeClr val="phClr">
+                <a:shade val="30000"/>
+                <a:satMod val="200000"/>
+              </a:schemeClr>
+            </a:gs>
+          </a:gsLst>
+          <a:path path="circle">
+            <a:fillToRect l="50000" t="50000" r="50000" b="50000"/>
+          </a:path>
+        </a:gradFill>
+      </a:bgFillStyleLst>
+    </a:fmtScheme>
+  </a:themeElements>
+  <a:objectDefaults/>
+  <a:extraClrSchemeLst/>
+</a:theme>
 </file>
--- a/soutenances/projet_decembre/intro.pptx
+++ b/soutenances/projet_decembre/intro.pptx
@@ -5,13 +5,14 @@
     <p:sldMasterId id="2147483654" r:id="rId1"/>
   </p:sldMasterIdLst>
   <p:notesMasterIdLst>
-    <p:notesMasterId r:id="rId6"/>
+    <p:notesMasterId r:id="rId7"/>
   </p:notesMasterIdLst>
   <p:sldIdLst>
     <p:sldId id="259" r:id="rId2"/>
     <p:sldId id="261" r:id="rId3"/>
-    <p:sldId id="260" r:id="rId4"/>
-    <p:sldId id="262" r:id="rId5"/>
+    <p:sldId id="263" r:id="rId4"/>
+    <p:sldId id="260" r:id="rId5"/>
+    <p:sldId id="262" r:id="rId6"/>
   </p:sldIdLst>
   <p:sldSz cx="9144000" cy="6858000" type="screen4x3"/>
   <p:notesSz cx="6858000" cy="9144000"/>
@@ -112,7 +113,7 @@
   </p:defaultTextStyle>
   <p:extLst>
     <p:ext uri="{521415D9-36F7-43E2-AB2F-B90AF26B5E84}">
-      <p14:sectionLst xmlns:p14="http://schemas.microsoft.com/office/powerpoint/2010/main" xmlns="">
+      <p14:sectionLst xmlns="" xmlns:p14="http://schemas.microsoft.com/office/powerpoint/2010/main">
         <p14:section name="Modèles INSA" id="{339B715A-A4F6-482F-9E8F-E995A152AF53}">
           <p14:sldIdLst>
             <p14:sldId id="256"/>
@@ -206,6 +207,7 @@
           <a:p>
             <a:fld id="{63971E1F-7B1D-43D7-A338-A6C5FB8F6681}" type="datetimeFigureOut">
               <a:rPr lang="fr-FR" smtClean="0"/>
+              <a:pPr/>
               <a:t>15/12/2014</a:t>
             </a:fld>
             <a:endParaRPr lang="fr-FR"/>
@@ -367,6 +369,7 @@
           <a:p>
             <a:fld id="{7DDCF73A-A167-4C23-969D-BB6EE6B805CD}" type="slidenum">
               <a:rPr lang="fr-FR" smtClean="0"/>
+              <a:pPr/>
               <a:t>‹N°›</a:t>
             </a:fld>
             <a:endParaRPr lang="fr-FR"/>
@@ -517,6 +520,22 @@
           </a:bodyPr>
           <a:lstStyle/>
           <a:p>
+            <a:r>
+              <a:rPr lang="fr-FR" baseline="0" smtClean="0"/>
+              <a:t>Bonjour merci d’être venus si nombreux…</a:t>
+            </a:r>
+          </a:p>
+          <a:p>
+            <a:r>
+              <a:rPr lang="fr-FR" baseline="0" smtClean="0"/>
+              <a:t>Notre sujet va porter sur l’analyse de sécurité d’un système que vous devez probablement tous connaitre : le Service de Transport de l’Agglo Rennaise (STAR).</a:t>
+            </a:r>
+          </a:p>
+          <a:p>
+            <a:r>
+              <a:rPr lang="fr-FR" baseline="0" smtClean="0"/>
+              <a:t>Pour commencer, le STAR, c’est quand même un service plutôt important.</a:t>
+            </a:r>
             <a:endParaRPr lang="fr-FR" baseline="0" smtClean="0"/>
           </a:p>
         </p:txBody>
@@ -538,7 +557,312 @@
           <a:p>
             <a:fld id="{7DDCF73A-A167-4C23-969D-BB6EE6B805CD}" type="slidenum">
               <a:rPr lang="fr-FR" smtClean="0"/>
+              <a:pPr/>
               <a:t>2</a:t>
+            </a:fld>
+            <a:endParaRPr lang="fr-FR"/>
+          </a:p>
+        </p:txBody>
+      </p:sp>
+    </p:spTree>
+  </p:cSld>
+  <p:clrMapOvr>
+    <a:masterClrMapping/>
+  </p:clrMapOvr>
+</p:notes>
+</file>
+
+<file path=ppt/notesSlides/notesSlide2.xml><?xml version="1.0" encoding="utf-8"?>
+<p:notes xmlns:a="http://schemas.openxmlformats.org/drawingml/2006/main" xmlns:r="http://schemas.openxmlformats.org/officeDocument/2006/relationships" xmlns:p="http://schemas.openxmlformats.org/presentationml/2006/main">
+  <p:cSld>
+    <p:spTree>
+      <p:nvGrpSpPr>
+        <p:cNvPr id="1" name=""/>
+        <p:cNvGrpSpPr/>
+        <p:nvPr/>
+      </p:nvGrpSpPr>
+      <p:grpSpPr>
+        <a:xfrm>
+          <a:off x="0" y="0"/>
+          <a:ext cx="0" cy="0"/>
+          <a:chOff x="0" y="0"/>
+          <a:chExt cx="0" cy="0"/>
+        </a:xfrm>
+      </p:grpSpPr>
+      <p:sp>
+        <p:nvSpPr>
+          <p:cNvPr id="2" name="Espace réservé de l'image des diapositives 1"/>
+          <p:cNvSpPr>
+            <a:spLocks noGrp="1" noRot="1" noChangeAspect="1"/>
+          </p:cNvSpPr>
+          <p:nvPr>
+            <p:ph type="sldImg"/>
+          </p:nvPr>
+        </p:nvSpPr>
+        <p:spPr/>
+      </p:sp>
+      <p:sp>
+        <p:nvSpPr>
+          <p:cNvPr id="3" name="Espace réservé des commentaires 2"/>
+          <p:cNvSpPr>
+            <a:spLocks noGrp="1"/>
+          </p:cNvSpPr>
+          <p:nvPr>
+            <p:ph type="body" idx="1"/>
+          </p:nvPr>
+        </p:nvSpPr>
+        <p:spPr/>
+        <p:txBody>
+          <a:bodyPr>
+            <a:normAutofit/>
+          </a:bodyPr>
+          <a:lstStyle/>
+          <a:p>
+            <a:r>
+              <a:rPr lang="fr-FR" smtClean="0"/>
+              <a:t>importance fonctionnement transports publics</a:t>
+            </a:r>
+          </a:p>
+          <a:p>
+            <a:r>
+              <a:rPr lang="fr-FR" smtClean="0"/>
+              <a:t>retombées économiques</a:t>
+            </a:r>
+          </a:p>
+          <a:p>
+            <a:r>
+              <a:rPr lang="fr-FR" smtClean="0"/>
+              <a:t>moins embouteillages </a:t>
+            </a:r>
+          </a:p>
+          <a:p>
+            <a:r>
+              <a:rPr lang="fr-FR" smtClean="0"/>
+              <a:t>économie CO 2</a:t>
+            </a:r>
+            <a:endParaRPr lang="fr-FR"/>
+          </a:p>
+        </p:txBody>
+      </p:sp>
+      <p:sp>
+        <p:nvSpPr>
+          <p:cNvPr id="4" name="Espace réservé du numéro de diapositive 3"/>
+          <p:cNvSpPr>
+            <a:spLocks noGrp="1"/>
+          </p:cNvSpPr>
+          <p:nvPr>
+            <p:ph type="sldNum" sz="quarter" idx="10"/>
+          </p:nvPr>
+        </p:nvSpPr>
+        <p:spPr/>
+        <p:txBody>
+          <a:bodyPr/>
+          <a:lstStyle/>
+          <a:p>
+            <a:fld id="{7DDCF73A-A167-4C23-969D-BB6EE6B805CD}" type="slidenum">
+              <a:rPr lang="fr-FR" smtClean="0"/>
+              <a:pPr/>
+              <a:t>3</a:t>
+            </a:fld>
+            <a:endParaRPr lang="fr-FR"/>
+          </a:p>
+        </p:txBody>
+      </p:sp>
+    </p:spTree>
+  </p:cSld>
+  <p:clrMapOvr>
+    <a:masterClrMapping/>
+  </p:clrMapOvr>
+</p:notes>
+</file>
+
+<file path=ppt/notesSlides/notesSlide3.xml><?xml version="1.0" encoding="utf-8"?>
+<p:notes xmlns:a="http://schemas.openxmlformats.org/drawingml/2006/main" xmlns:r="http://schemas.openxmlformats.org/officeDocument/2006/relationships" xmlns:p="http://schemas.openxmlformats.org/presentationml/2006/main">
+  <p:cSld>
+    <p:spTree>
+      <p:nvGrpSpPr>
+        <p:cNvPr id="1" name=""/>
+        <p:cNvGrpSpPr/>
+        <p:nvPr/>
+      </p:nvGrpSpPr>
+      <p:grpSpPr>
+        <a:xfrm>
+          <a:off x="0" y="0"/>
+          <a:ext cx="0" cy="0"/>
+          <a:chOff x="0" y="0"/>
+          <a:chExt cx="0" cy="0"/>
+        </a:xfrm>
+      </p:grpSpPr>
+      <p:sp>
+        <p:nvSpPr>
+          <p:cNvPr id="2" name="Espace réservé de l'image des diapositives 1"/>
+          <p:cNvSpPr>
+            <a:spLocks noGrp="1" noRot="1" noChangeAspect="1"/>
+          </p:cNvSpPr>
+          <p:nvPr>
+            <p:ph type="sldImg"/>
+          </p:nvPr>
+        </p:nvSpPr>
+        <p:spPr/>
+      </p:sp>
+      <p:sp>
+        <p:nvSpPr>
+          <p:cNvPr id="3" name="Espace réservé des commentaires 2"/>
+          <p:cNvSpPr>
+            <a:spLocks noGrp="1"/>
+          </p:cNvSpPr>
+          <p:nvPr>
+            <p:ph type="body" idx="1"/>
+          </p:nvPr>
+        </p:nvSpPr>
+        <p:spPr/>
+        <p:txBody>
+          <a:bodyPr>
+            <a:normAutofit/>
+          </a:bodyPr>
+          <a:lstStyle/>
+          <a:p>
+            <a:r>
+              <a:rPr lang="fr-FR" smtClean="0"/>
+              <a:t>Que</a:t>
+            </a:r>
+            <a:r>
+              <a:rPr lang="fr-FR" baseline="0" smtClean="0"/>
+              <a:t> se passe-t-il en cas de panne ?</a:t>
+            </a:r>
+          </a:p>
+          <a:p>
+            <a:r>
+              <a:rPr lang="fr-FR" baseline="0" smtClean="0"/>
+              <a:t>16 et 18 mai 2012</a:t>
+            </a:r>
+          </a:p>
+          <a:p>
+            <a:r>
+              <a:rPr lang="fr-FR" baseline="0" smtClean="0"/>
+              <a:t>-&gt; bus relais mis en place </a:t>
+            </a:r>
+          </a:p>
+          <a:p>
+            <a:r>
+              <a:rPr lang="fr-FR" baseline="0" smtClean="0"/>
+              <a:t>Solution de secours ayant un cout  mais assurant globalement le service</a:t>
+            </a:r>
+            <a:endParaRPr lang="fr-FR"/>
+          </a:p>
+        </p:txBody>
+      </p:sp>
+      <p:sp>
+        <p:nvSpPr>
+          <p:cNvPr id="4" name="Espace réservé du numéro de diapositive 3"/>
+          <p:cNvSpPr>
+            <a:spLocks noGrp="1"/>
+          </p:cNvSpPr>
+          <p:nvPr>
+            <p:ph type="sldNum" sz="quarter" idx="10"/>
+          </p:nvPr>
+        </p:nvSpPr>
+        <p:spPr/>
+        <p:txBody>
+          <a:bodyPr/>
+          <a:lstStyle/>
+          <a:p>
+            <a:fld id="{7DDCF73A-A167-4C23-969D-BB6EE6B805CD}" type="slidenum">
+              <a:rPr lang="fr-FR" smtClean="0"/>
+              <a:pPr/>
+              <a:t>4</a:t>
+            </a:fld>
+            <a:endParaRPr lang="fr-FR"/>
+          </a:p>
+        </p:txBody>
+      </p:sp>
+    </p:spTree>
+  </p:cSld>
+  <p:clrMapOvr>
+    <a:masterClrMapping/>
+  </p:clrMapOvr>
+</p:notes>
+</file>
+
+<file path=ppt/notesSlides/notesSlide4.xml><?xml version="1.0" encoding="utf-8"?>
+<p:notes xmlns:a="http://schemas.openxmlformats.org/drawingml/2006/main" xmlns:r="http://schemas.openxmlformats.org/officeDocument/2006/relationships" xmlns:p="http://schemas.openxmlformats.org/presentationml/2006/main">
+  <p:cSld>
+    <p:spTree>
+      <p:nvGrpSpPr>
+        <p:cNvPr id="1" name=""/>
+        <p:cNvGrpSpPr/>
+        <p:nvPr/>
+      </p:nvGrpSpPr>
+      <p:grpSpPr>
+        <a:xfrm>
+          <a:off x="0" y="0"/>
+          <a:ext cx="0" cy="0"/>
+          <a:chOff x="0" y="0"/>
+          <a:chExt cx="0" cy="0"/>
+        </a:xfrm>
+      </p:grpSpPr>
+      <p:sp>
+        <p:nvSpPr>
+          <p:cNvPr id="2" name="Espace réservé de l'image des diapositives 1"/>
+          <p:cNvSpPr>
+            <a:spLocks noGrp="1" noRot="1" noChangeAspect="1"/>
+          </p:cNvSpPr>
+          <p:nvPr>
+            <p:ph type="sldImg"/>
+          </p:nvPr>
+        </p:nvSpPr>
+        <p:spPr/>
+      </p:sp>
+      <p:sp>
+        <p:nvSpPr>
+          <p:cNvPr id="3" name="Espace réservé des commentaires 2"/>
+          <p:cNvSpPr>
+            <a:spLocks noGrp="1"/>
+          </p:cNvSpPr>
+          <p:nvPr>
+            <p:ph type="body" idx="1"/>
+          </p:nvPr>
+        </p:nvSpPr>
+        <p:spPr/>
+        <p:txBody>
+          <a:bodyPr>
+            <a:normAutofit/>
+          </a:bodyPr>
+          <a:lstStyle/>
+          <a:p>
+            <a:r>
+              <a:rPr lang="fr-FR" smtClean="0"/>
+              <a:t>La question étant donc : est-il possible de paralyser le STAR ?</a:t>
+            </a:r>
+          </a:p>
+          <a:p>
+            <a:r>
+              <a:rPr lang="fr-FR" smtClean="0"/>
+              <a:t>Et c’est qu’intervient l’analyse de sécurité. Je vais donc laisser florent vous en parler.</a:t>
+            </a:r>
+            <a:endParaRPr lang="fr-FR"/>
+          </a:p>
+        </p:txBody>
+      </p:sp>
+      <p:sp>
+        <p:nvSpPr>
+          <p:cNvPr id="4" name="Espace réservé du numéro de diapositive 3"/>
+          <p:cNvSpPr>
+            <a:spLocks noGrp="1"/>
+          </p:cNvSpPr>
+          <p:nvPr>
+            <p:ph type="sldNum" sz="quarter" idx="10"/>
+          </p:nvPr>
+        </p:nvSpPr>
+        <p:spPr/>
+        <p:txBody>
+          <a:bodyPr/>
+          <a:lstStyle/>
+          <a:p>
+            <a:fld id="{7DDCF73A-A167-4C23-969D-BB6EE6B805CD}" type="slidenum">
+              <a:rPr lang="fr-FR" smtClean="0"/>
+              <a:pPr/>
+              <a:t>5</a:t>
             </a:fld>
             <a:endParaRPr lang="fr-FR"/>
           </a:p>
@@ -641,7 +965,7 @@
             <a:blip r:embed="rId2" cstate="print">
               <a:extLst>
                 <a:ext uri="{28A0092B-C50C-407E-A947-70E740481C1C}">
-                  <a14:useLocalDpi xmlns:a14="http://schemas.microsoft.com/office/drawing/2010/main" xmlns="" val="0"/>
+                  <a14:useLocalDpi xmlns="" xmlns:a14="http://schemas.microsoft.com/office/drawing/2010/main" val="0"/>
                 </a:ext>
               </a:extLst>
             </a:blip>
@@ -659,7 +983,7 @@
             <a:noFill/>
             <a:extLst>
               <a:ext uri="{909E8E84-426E-40DD-AFC4-6F175D3DCCD1}">
-                <a14:hiddenFill xmlns:a14="http://schemas.microsoft.com/office/drawing/2010/main" xmlns="">
+                <a14:hiddenFill xmlns="" xmlns:a14="http://schemas.microsoft.com/office/drawing/2010/main">
                   <a:solidFill>
                     <a:srgbClr val="FFFFFF"/>
                   </a:solidFill>
@@ -680,7 +1004,7 @@
             <a:blip r:embed="rId3" cstate="print">
               <a:extLst>
                 <a:ext uri="{28A0092B-C50C-407E-A947-70E740481C1C}">
-                  <a14:useLocalDpi xmlns:a14="http://schemas.microsoft.com/office/drawing/2010/main" xmlns="" val="0"/>
+                  <a14:useLocalDpi xmlns="" xmlns:a14="http://schemas.microsoft.com/office/drawing/2010/main" val="0"/>
                 </a:ext>
               </a:extLst>
             </a:blip>
@@ -700,7 +1024,7 @@
             <a:noFill/>
             <a:extLst>
               <a:ext uri="{909E8E84-426E-40DD-AFC4-6F175D3DCCD1}">
-                <a14:hiddenFill xmlns:a14="http://schemas.microsoft.com/office/drawing/2010/main" xmlns="">
+                <a14:hiddenFill xmlns="" xmlns:a14="http://schemas.microsoft.com/office/drawing/2010/main">
                   <a:solidFill>
                     <a:srgbClr val="FFFFFF"/>
                   </a:solidFill>
@@ -1749,7 +2073,7 @@
     </p:spTree>
     <p:extLst>
       <p:ext uri="{BB962C8B-B14F-4D97-AF65-F5344CB8AC3E}">
-        <p14:creationId xmlns:p14="http://schemas.microsoft.com/office/powerpoint/2010/main" xmlns="" val="2155599893"/>
+        <p14:creationId xmlns="" xmlns:p14="http://schemas.microsoft.com/office/powerpoint/2010/main" val="2155599893"/>
       </p:ext>
     </p:extLst>
   </p:cSld>
@@ -1907,7 +2231,7 @@
     </p:spTree>
     <p:extLst>
       <p:ext uri="{BB962C8B-B14F-4D97-AF65-F5344CB8AC3E}">
-        <p14:creationId xmlns:p14="http://schemas.microsoft.com/office/powerpoint/2010/main" xmlns="" val="2625538701"/>
+        <p14:creationId xmlns="" xmlns:p14="http://schemas.microsoft.com/office/powerpoint/2010/main" val="2625538701"/>
       </p:ext>
     </p:extLst>
   </p:cSld>
@@ -2135,7 +2459,7 @@
     </p:spTree>
     <p:extLst>
       <p:ext uri="{BB962C8B-B14F-4D97-AF65-F5344CB8AC3E}">
-        <p14:creationId xmlns:p14="http://schemas.microsoft.com/office/powerpoint/2010/main" xmlns="" val="1505370761"/>
+        <p14:creationId xmlns="" xmlns:p14="http://schemas.microsoft.com/office/powerpoint/2010/main" val="1505370761"/>
       </p:ext>
     </p:extLst>
   </p:cSld>
@@ -2381,7 +2705,7 @@
     </p:spTree>
     <p:extLst>
       <p:ext uri="{BB962C8B-B14F-4D97-AF65-F5344CB8AC3E}">
-        <p14:creationId xmlns:p14="http://schemas.microsoft.com/office/powerpoint/2010/main" xmlns="" val="1601618539"/>
+        <p14:creationId xmlns="" xmlns:p14="http://schemas.microsoft.com/office/powerpoint/2010/main" val="1601618539"/>
       </p:ext>
     </p:extLst>
   </p:cSld>
@@ -2765,7 +3089,7 @@
     </p:spTree>
     <p:extLst>
       <p:ext uri="{BB962C8B-B14F-4D97-AF65-F5344CB8AC3E}">
-        <p14:creationId xmlns:p14="http://schemas.microsoft.com/office/powerpoint/2010/main" xmlns="" val="171255179"/>
+        <p14:creationId xmlns="" xmlns:p14="http://schemas.microsoft.com/office/powerpoint/2010/main" val="171255179"/>
       </p:ext>
     </p:extLst>
   </p:cSld>
@@ -2867,7 +3191,7 @@
     </p:spTree>
     <p:extLst>
       <p:ext uri="{BB962C8B-B14F-4D97-AF65-F5344CB8AC3E}">
-        <p14:creationId xmlns:p14="http://schemas.microsoft.com/office/powerpoint/2010/main" xmlns="" val="4241946124"/>
+        <p14:creationId xmlns="" xmlns:p14="http://schemas.microsoft.com/office/powerpoint/2010/main" val="4241946124"/>
       </p:ext>
     </p:extLst>
   </p:cSld>
@@ -2905,7 +3229,7 @@
     </p:spTree>
     <p:extLst>
       <p:ext uri="{BB962C8B-B14F-4D97-AF65-F5344CB8AC3E}">
-        <p14:creationId xmlns:p14="http://schemas.microsoft.com/office/powerpoint/2010/main" xmlns="" val="3843733788"/>
+        <p14:creationId xmlns="" xmlns:p14="http://schemas.microsoft.com/office/powerpoint/2010/main" val="3843733788"/>
       </p:ext>
     </p:extLst>
   </p:cSld>
@@ -3201,7 +3525,7 @@
     </p:spTree>
     <p:extLst>
       <p:ext uri="{BB962C8B-B14F-4D97-AF65-F5344CB8AC3E}">
-        <p14:creationId xmlns:p14="http://schemas.microsoft.com/office/powerpoint/2010/main" xmlns="" val="680884878"/>
+        <p14:creationId xmlns="" xmlns:p14="http://schemas.microsoft.com/office/powerpoint/2010/main" val="680884878"/>
       </p:ext>
     </p:extLst>
   </p:cSld>
@@ -4250,7 +4574,7 @@
           <a:blip r:embed="rId10" cstate="print">
             <a:extLst>
               <a:ext uri="{28A0092B-C50C-407E-A947-70E740481C1C}">
-                <a14:useLocalDpi xmlns:a14="http://schemas.microsoft.com/office/drawing/2010/main" xmlns="" val="0"/>
+                <a14:useLocalDpi xmlns="" xmlns:a14="http://schemas.microsoft.com/office/drawing/2010/main" val="0"/>
               </a:ext>
             </a:extLst>
           </a:blip>
@@ -4268,7 +4592,7 @@
           <a:noFill/>
           <a:extLst>
             <a:ext uri="{909E8E84-426E-40DD-AFC4-6F175D3DCCD1}">
-              <a14:hiddenFill xmlns:a14="http://schemas.microsoft.com/office/drawing/2010/main" xmlns="">
+              <a14:hiddenFill xmlns="" xmlns:a14="http://schemas.microsoft.com/office/drawing/2010/main">
                 <a:solidFill>
                   <a:srgbClr val="FFFFFF"/>
                 </a:solidFill>
@@ -4289,7 +4613,7 @@
           <a:blip r:embed="rId11" cstate="print">
             <a:extLst>
               <a:ext uri="{28A0092B-C50C-407E-A947-70E740481C1C}">
-                <a14:useLocalDpi xmlns:a14="http://schemas.microsoft.com/office/drawing/2010/main" xmlns="" val="0"/>
+                <a14:useLocalDpi xmlns="" xmlns:a14="http://schemas.microsoft.com/office/drawing/2010/main" val="0"/>
               </a:ext>
             </a:extLst>
           </a:blip>
@@ -4309,7 +4633,7 @@
           <a:noFill/>
           <a:extLst>
             <a:ext uri="{909E8E84-426E-40DD-AFC4-6F175D3DCCD1}">
-              <a14:hiddenFill xmlns:a14="http://schemas.microsoft.com/office/drawing/2010/main" xmlns="">
+              <a14:hiddenFill xmlns="" xmlns:a14="http://schemas.microsoft.com/office/drawing/2010/main">
                 <a:solidFill>
                   <a:srgbClr val="FFFFFF"/>
                 </a:solidFill>
@@ -4467,7 +4791,7 @@
             <a:lum bright="70000" contrast="-70000"/>
             <a:extLst>
               <a:ext uri="{28A0092B-C50C-407E-A947-70E740481C1C}">
-                <a14:useLocalDpi xmlns:a14="http://schemas.microsoft.com/office/drawing/2010/main" xmlns="" val="0"/>
+                <a14:useLocalDpi xmlns="" xmlns:a14="http://schemas.microsoft.com/office/drawing/2010/main" val="0"/>
               </a:ext>
             </a:extLst>
           </a:blip>
@@ -4488,7 +4812,7 @@
     </p:spTree>
     <p:extLst>
       <p:ext uri="{BB962C8B-B14F-4D97-AF65-F5344CB8AC3E}">
-        <p14:creationId xmlns:p14="http://schemas.microsoft.com/office/powerpoint/2010/main" xmlns="" val="3080300347"/>
+        <p14:creationId xmlns="" xmlns:p14="http://schemas.microsoft.com/office/powerpoint/2010/main" val="3080300347"/>
       </p:ext>
     </p:extLst>
   </p:cSld>
@@ -5051,8 +5375,11 @@
                   </a:schemeClr>
                 </a:solidFill>
               </a:rPr>
-              <a:t>Est-il difficile de </a:t>
-            </a:r>
+              <a:t>Est-il difficile de paralyser </a:t>
+            </a:r>
+          </a:p>
+          <a:p>
+            <a:pPr algn="ctr"/>
             <a:r>
               <a:rPr lang="fr-FR" sz="2400" smtClean="0">
                 <a:solidFill>
@@ -5061,67 +5388,7 @@
                   </a:schemeClr>
                 </a:solidFill>
               </a:rPr>
-              <a:t>paralyser </a:t>
-            </a:r>
-            <a:endParaRPr lang="fr-FR" sz="2400" smtClean="0">
-              <a:solidFill>
-                <a:schemeClr val="tx1">
-                  <a:lumMod val="50000"/>
-                </a:schemeClr>
-              </a:solidFill>
-            </a:endParaRPr>
-          </a:p>
-          <a:p>
-            <a:pPr algn="ctr"/>
-            <a:r>
-              <a:rPr lang="fr-FR" sz="2400" smtClean="0">
-                <a:solidFill>
-                  <a:schemeClr val="tx1">
-                    <a:lumMod val="50000"/>
-                  </a:schemeClr>
-                </a:solidFill>
-              </a:rPr>
-              <a:t>les </a:t>
-            </a:r>
-            <a:r>
-              <a:rPr lang="fr-FR" sz="2400" smtClean="0">
-                <a:solidFill>
-                  <a:schemeClr val="tx1">
-                    <a:lumMod val="50000"/>
-                  </a:schemeClr>
-                </a:solidFill>
-              </a:rPr>
-              <a:t>transports </a:t>
-            </a:r>
-            <a:r>
-              <a:rPr lang="fr-FR" sz="2400" smtClean="0">
-                <a:solidFill>
-                  <a:schemeClr val="tx1">
-                    <a:lumMod val="50000"/>
-                  </a:schemeClr>
-                </a:solidFill>
-              </a:rPr>
-              <a:t>en commun </a:t>
-            </a:r>
-            <a:r>
-              <a:rPr lang="fr-FR" sz="2400" smtClean="0">
-                <a:solidFill>
-                  <a:schemeClr val="tx1">
-                    <a:lumMod val="50000"/>
-                  </a:schemeClr>
-                </a:solidFill>
-              </a:rPr>
-              <a:t>à </a:t>
-            </a:r>
-            <a:r>
-              <a:rPr lang="fr-FR" sz="2400" smtClean="0">
-                <a:solidFill>
-                  <a:schemeClr val="tx1">
-                    <a:lumMod val="50000"/>
-                  </a:schemeClr>
-                </a:solidFill>
-              </a:rPr>
-              <a:t>Rennes ?</a:t>
+              <a:t>les transports en commun à Rennes ?</a:t>
             </a:r>
             <a:endParaRPr lang="fr-FR" sz="2400">
               <a:solidFill>
@@ -5332,13 +5599,6 @@
               </a:rPr>
               <a:t>Corentin Nicole</a:t>
             </a:r>
-            <a:endParaRPr lang="fr-FR" smtClean="0">
-              <a:solidFill>
-                <a:schemeClr val="tx1">
-                  <a:lumMod val="50000"/>
-                </a:schemeClr>
-              </a:solidFill>
-            </a:endParaRPr>
           </a:p>
         </p:txBody>
       </p:sp>
@@ -5418,6 +5678,173 @@
       </p:grpSpPr>
       <p:sp>
         <p:nvSpPr>
+          <p:cNvPr id="7" name="Espace réservé du texte 6"/>
+          <p:cNvSpPr>
+            <a:spLocks noGrp="1"/>
+          </p:cNvSpPr>
+          <p:nvPr>
+            <p:ph type="body" sz="quarter" idx="10"/>
+          </p:nvPr>
+        </p:nvSpPr>
+        <p:spPr/>
+        <p:txBody>
+          <a:bodyPr>
+            <a:normAutofit fontScale="92500" lnSpcReduction="20000"/>
+          </a:bodyPr>
+          <a:lstStyle/>
+          <a:p>
+            <a:endParaRPr lang="fr-FR"/>
+          </a:p>
+        </p:txBody>
+      </p:sp>
+      <p:sp>
+        <p:nvSpPr>
+          <p:cNvPr id="9" name="ZoneTexte 8"/>
+          <p:cNvSpPr txBox="1"/>
+          <p:nvPr/>
+        </p:nvSpPr>
+        <p:spPr>
+          <a:xfrm>
+            <a:off x="0" y="2492896"/>
+            <a:ext cx="9144000" cy="830997"/>
+          </a:xfrm>
+          <a:prstGeom prst="rect">
+            <a:avLst/>
+          </a:prstGeom>
+          <a:noFill/>
+        </p:spPr>
+        <p:txBody>
+          <a:bodyPr wrap="square" rtlCol="0">
+            <a:spAutoFit/>
+          </a:bodyPr>
+          <a:lstStyle/>
+          <a:p>
+            <a:pPr algn="ctr"/>
+            <a:r>
+              <a:rPr lang="fr-FR" sz="4800" b="1" smtClean="0">
+                <a:solidFill>
+                  <a:srgbClr val="004D6F"/>
+                </a:solidFill>
+                <a:latin typeface="Arial" pitchFamily="34" charset="0"/>
+                <a:cs typeface="Arial" pitchFamily="34" charset="0"/>
+              </a:rPr>
+              <a:t>250 000 trajets par jour</a:t>
+            </a:r>
+            <a:endParaRPr lang="fr-FR" sz="4800" b="1" smtClean="0">
+              <a:solidFill>
+                <a:srgbClr val="004D6F"/>
+              </a:solidFill>
+              <a:latin typeface="Arial" pitchFamily="34" charset="0"/>
+              <a:cs typeface="Arial" pitchFamily="34" charset="0"/>
+            </a:endParaRPr>
+          </a:p>
+        </p:txBody>
+      </p:sp>
+    </p:spTree>
+  </p:cSld>
+  <p:clrMapOvr>
+    <a:masterClrMapping/>
+  </p:clrMapOvr>
+  <p:timing>
+    <p:tnLst>
+      <p:par>
+        <p:cTn id="1" dur="indefinite" restart="never" nodeType="tmRoot">
+          <p:childTnLst>
+            <p:seq concurrent="1" nextAc="seek">
+              <p:cTn id="2" dur="indefinite" nodeType="mainSeq">
+                <p:childTnLst>
+                  <p:par>
+                    <p:cTn id="3" fill="hold">
+                      <p:stCondLst>
+                        <p:cond delay="indefinite"/>
+                      </p:stCondLst>
+                      <p:childTnLst>
+                        <p:par>
+                          <p:cTn id="4" fill="hold">
+                            <p:stCondLst>
+                              <p:cond delay="0"/>
+                            </p:stCondLst>
+                            <p:childTnLst>
+                              <p:par>
+                                <p:cTn id="5" presetID="1" presetClass="entr" presetSubtype="0" fill="hold" grpId="0" nodeType="clickEffect">
+                                  <p:stCondLst>
+                                    <p:cond delay="0"/>
+                                  </p:stCondLst>
+                                  <p:childTnLst>
+                                    <p:set>
+                                      <p:cBhvr>
+                                        <p:cTn id="6" dur="1" fill="hold">
+                                          <p:stCondLst>
+                                            <p:cond delay="0"/>
+                                          </p:stCondLst>
+                                        </p:cTn>
+                                        <p:tgtEl>
+                                          <p:spTgt spid="9"/>
+                                        </p:tgtEl>
+                                        <p:attrNameLst>
+                                          <p:attrName>style.visibility</p:attrName>
+                                        </p:attrNameLst>
+                                      </p:cBhvr>
+                                      <p:to>
+                                        <p:strVal val="visible"/>
+                                      </p:to>
+                                    </p:set>
+                                  </p:childTnLst>
+                                </p:cTn>
+                              </p:par>
+                            </p:childTnLst>
+                          </p:cTn>
+                        </p:par>
+                      </p:childTnLst>
+                    </p:cTn>
+                  </p:par>
+                </p:childTnLst>
+              </p:cTn>
+              <p:prevCondLst>
+                <p:cond evt="onPrev" delay="0">
+                  <p:tgtEl>
+                    <p:sldTgt/>
+                  </p:tgtEl>
+                </p:cond>
+              </p:prevCondLst>
+              <p:nextCondLst>
+                <p:cond evt="onNext" delay="0">
+                  <p:tgtEl>
+                    <p:sldTgt/>
+                  </p:tgtEl>
+                </p:cond>
+              </p:nextCondLst>
+            </p:seq>
+          </p:childTnLst>
+        </p:cTn>
+      </p:par>
+    </p:tnLst>
+    <p:bldLst>
+      <p:bldP spid="9" grpId="0"/>
+    </p:bldLst>
+  </p:timing>
+</p:sld>
+</file>
+
+<file path=ppt/slides/slide4.xml><?xml version="1.0" encoding="utf-8"?>
+<p:sld xmlns:a="http://schemas.openxmlformats.org/drawingml/2006/main" xmlns:r="http://schemas.openxmlformats.org/officeDocument/2006/relationships" xmlns:p="http://schemas.openxmlformats.org/presentationml/2006/main">
+  <p:cSld>
+    <p:spTree>
+      <p:nvGrpSpPr>
+        <p:cNvPr id="1" name=""/>
+        <p:cNvGrpSpPr/>
+        <p:nvPr/>
+      </p:nvGrpSpPr>
+      <p:grpSpPr>
+        <a:xfrm>
+          <a:off x="0" y="0"/>
+          <a:ext cx="0" cy="0"/>
+          <a:chOff x="0" y="0"/>
+          <a:chExt cx="0" cy="0"/>
+        </a:xfrm>
+      </p:grpSpPr>
+      <p:sp>
+        <p:nvSpPr>
           <p:cNvPr id="2" name="Titre 1"/>
           <p:cNvSpPr>
             <a:spLocks noGrp="1"/>
@@ -5519,7 +5946,7 @@
           <p:nvPr/>
         </p:nvPicPr>
         <p:blipFill>
-          <a:blip r:embed="rId2" cstate="print"/>
+          <a:blip r:embed="rId3" cstate="print"/>
           <a:stretch>
             <a:fillRect/>
           </a:stretch>
@@ -5543,7 +5970,7 @@
           <p:nvPr/>
         </p:nvPicPr>
         <p:blipFill>
-          <a:blip r:embed="rId2" cstate="print">
+          <a:blip r:embed="rId3" cstate="print">
             <a:duotone>
               <a:prstClr val="black"/>
               <a:schemeClr val="accent5">
@@ -5597,8 +6024,15 @@
                 <a:latin typeface="Arial" pitchFamily="34" charset="0"/>
                 <a:cs typeface="Arial" pitchFamily="34" charset="0"/>
               </a:rPr>
-              <a:t>le métro rennais paralysé</a:t>
-            </a:r>
+              <a:t>Métro en panne</a:t>
+            </a:r>
+            <a:endParaRPr lang="fr-FR" sz="4800" b="1" smtClean="0">
+              <a:solidFill>
+                <a:srgbClr val="004D6F"/>
+              </a:solidFill>
+              <a:latin typeface="Arial" pitchFamily="34" charset="0"/>
+              <a:cs typeface="Arial" pitchFamily="34" charset="0"/>
+            </a:endParaRPr>
           </a:p>
         </p:txBody>
       </p:sp>
@@ -5723,7 +6157,7 @@
 </p:sld>
 </file>
 
-<file path=ppt/slides/slide4.xml><?xml version="1.0" encoding="utf-8"?>
+<file path=ppt/slides/slide5.xml><?xml version="1.0" encoding="utf-8"?>
 <p:sld xmlns:a="http://schemas.openxmlformats.org/drawingml/2006/main" xmlns:r="http://schemas.openxmlformats.org/officeDocument/2006/relationships" xmlns:p="http://schemas.openxmlformats.org/presentationml/2006/main">
   <p:cSld>
     <p:spTree>
@@ -5774,6 +6208,10 @@
           <a:bodyPr/>
           <a:lstStyle/>
           <a:p>
+            <a:r>
+              <a:rPr lang="fr-FR" smtClean="0"/>
+              <a:t>transition</a:t>
+            </a:r>
             <a:endParaRPr lang="fr-FR"/>
           </a:p>
         </p:txBody>

--- a/soutenances/projet_decembre/intro.pptx
+++ b/soutenances/projet_decembre/intro.pptx
@@ -5,14 +5,11 @@
     <p:sldMasterId id="2147483654" r:id="rId1"/>
   </p:sldMasterIdLst>
   <p:notesMasterIdLst>
-    <p:notesMasterId r:id="rId7"/>
+    <p:notesMasterId r:id="rId4"/>
   </p:notesMasterIdLst>
   <p:sldIdLst>
-    <p:sldId id="259" r:id="rId2"/>
-    <p:sldId id="261" r:id="rId3"/>
-    <p:sldId id="263" r:id="rId4"/>
-    <p:sldId id="260" r:id="rId5"/>
-    <p:sldId id="262" r:id="rId6"/>
+    <p:sldId id="261" r:id="rId2"/>
+    <p:sldId id="262" r:id="rId3"/>
   </p:sldIdLst>
   <p:sldSz cx="9144000" cy="6858000" type="screen4x3"/>
   <p:notesSz cx="6858000" cy="9144000"/>
@@ -113,7 +110,7 @@
   </p:defaultTextStyle>
   <p:extLst>
     <p:ext uri="{521415D9-36F7-43E2-AB2F-B90AF26B5E84}">
-      <p14:sectionLst xmlns="" xmlns:p14="http://schemas.microsoft.com/office/powerpoint/2010/main">
+      <p14:sectionLst xmlns:p14="http://schemas.microsoft.com/office/powerpoint/2010/main" xmlns="">
         <p14:section name="Modèles INSA" id="{339B715A-A4F6-482F-9E8F-E995A152AF53}">
           <p14:sldIdLst>
             <p14:sldId id="256"/>
@@ -208,7 +205,7 @@
             <a:fld id="{63971E1F-7B1D-43D7-A338-A6C5FB8F6681}" type="datetimeFigureOut">
               <a:rPr lang="fr-FR" smtClean="0"/>
               <a:pPr/>
-              <a:t>15/12/2014</a:t>
+              <a:t>17/12/2014</a:t>
             </a:fld>
             <a:endParaRPr lang="fr-FR"/>
           </a:p>
@@ -522,19 +519,19 @@
           <a:p>
             <a:r>
               <a:rPr lang="fr-FR" baseline="0" smtClean="0"/>
-              <a:t>Bonjour merci d’être venus si nombreux…</a:t>
+              <a:t>Bonjour et merci d’être venu si nombreux.</a:t>
             </a:r>
           </a:p>
           <a:p>
             <a:r>
               <a:rPr lang="fr-FR" baseline="0" smtClean="0"/>
-              <a:t>Notre sujet va porter sur l’analyse de sécurité d’un système que vous devez probablement tous connaitre : le Service de Transport de l’Agglo Rennaise (STAR).</a:t>
+              <a:t>Notre sujet c’était initialement ça</a:t>
             </a:r>
           </a:p>
           <a:p>
             <a:r>
               <a:rPr lang="fr-FR" baseline="0" smtClean="0"/>
-              <a:t>Pour commencer, le STAR, c’est quand même un service plutôt important.</a:t>
+              <a:t>Mais on a progressivement abstrait le concept</a:t>
             </a:r>
             <a:endParaRPr lang="fr-FR" baseline="0" smtClean="0"/>
           </a:p>
@@ -558,311 +555,7 @@
             <a:fld id="{7DDCF73A-A167-4C23-969D-BB6EE6B805CD}" type="slidenum">
               <a:rPr lang="fr-FR" smtClean="0"/>
               <a:pPr/>
-              <a:t>2</a:t>
-            </a:fld>
-            <a:endParaRPr lang="fr-FR"/>
-          </a:p>
-        </p:txBody>
-      </p:sp>
-    </p:spTree>
-  </p:cSld>
-  <p:clrMapOvr>
-    <a:masterClrMapping/>
-  </p:clrMapOvr>
-</p:notes>
-</file>
-
-<file path=ppt/notesSlides/notesSlide2.xml><?xml version="1.0" encoding="utf-8"?>
-<p:notes xmlns:a="http://schemas.openxmlformats.org/drawingml/2006/main" xmlns:r="http://schemas.openxmlformats.org/officeDocument/2006/relationships" xmlns:p="http://schemas.openxmlformats.org/presentationml/2006/main">
-  <p:cSld>
-    <p:spTree>
-      <p:nvGrpSpPr>
-        <p:cNvPr id="1" name=""/>
-        <p:cNvGrpSpPr/>
-        <p:nvPr/>
-      </p:nvGrpSpPr>
-      <p:grpSpPr>
-        <a:xfrm>
-          <a:off x="0" y="0"/>
-          <a:ext cx="0" cy="0"/>
-          <a:chOff x="0" y="0"/>
-          <a:chExt cx="0" cy="0"/>
-        </a:xfrm>
-      </p:grpSpPr>
-      <p:sp>
-        <p:nvSpPr>
-          <p:cNvPr id="2" name="Espace réservé de l'image des diapositives 1"/>
-          <p:cNvSpPr>
-            <a:spLocks noGrp="1" noRot="1" noChangeAspect="1"/>
-          </p:cNvSpPr>
-          <p:nvPr>
-            <p:ph type="sldImg"/>
-          </p:nvPr>
-        </p:nvSpPr>
-        <p:spPr/>
-      </p:sp>
-      <p:sp>
-        <p:nvSpPr>
-          <p:cNvPr id="3" name="Espace réservé des commentaires 2"/>
-          <p:cNvSpPr>
-            <a:spLocks noGrp="1"/>
-          </p:cNvSpPr>
-          <p:nvPr>
-            <p:ph type="body" idx="1"/>
-          </p:nvPr>
-        </p:nvSpPr>
-        <p:spPr/>
-        <p:txBody>
-          <a:bodyPr>
-            <a:normAutofit/>
-          </a:bodyPr>
-          <a:lstStyle/>
-          <a:p>
-            <a:r>
-              <a:rPr lang="fr-FR" smtClean="0"/>
-              <a:t>importance fonctionnement transports publics</a:t>
-            </a:r>
-          </a:p>
-          <a:p>
-            <a:r>
-              <a:rPr lang="fr-FR" smtClean="0"/>
-              <a:t>retombées économiques</a:t>
-            </a:r>
-          </a:p>
-          <a:p>
-            <a:r>
-              <a:rPr lang="fr-FR" smtClean="0"/>
-              <a:t>moins embouteillages </a:t>
-            </a:r>
-          </a:p>
-          <a:p>
-            <a:r>
-              <a:rPr lang="fr-FR" smtClean="0"/>
-              <a:t>économie CO 2</a:t>
-            </a:r>
-            <a:endParaRPr lang="fr-FR"/>
-          </a:p>
-        </p:txBody>
-      </p:sp>
-      <p:sp>
-        <p:nvSpPr>
-          <p:cNvPr id="4" name="Espace réservé du numéro de diapositive 3"/>
-          <p:cNvSpPr>
-            <a:spLocks noGrp="1"/>
-          </p:cNvSpPr>
-          <p:nvPr>
-            <p:ph type="sldNum" sz="quarter" idx="10"/>
-          </p:nvPr>
-        </p:nvSpPr>
-        <p:spPr/>
-        <p:txBody>
-          <a:bodyPr/>
-          <a:lstStyle/>
-          <a:p>
-            <a:fld id="{7DDCF73A-A167-4C23-969D-BB6EE6B805CD}" type="slidenum">
-              <a:rPr lang="fr-FR" smtClean="0"/>
-              <a:pPr/>
-              <a:t>3</a:t>
-            </a:fld>
-            <a:endParaRPr lang="fr-FR"/>
-          </a:p>
-        </p:txBody>
-      </p:sp>
-    </p:spTree>
-  </p:cSld>
-  <p:clrMapOvr>
-    <a:masterClrMapping/>
-  </p:clrMapOvr>
-</p:notes>
-</file>
-
-<file path=ppt/notesSlides/notesSlide3.xml><?xml version="1.0" encoding="utf-8"?>
-<p:notes xmlns:a="http://schemas.openxmlformats.org/drawingml/2006/main" xmlns:r="http://schemas.openxmlformats.org/officeDocument/2006/relationships" xmlns:p="http://schemas.openxmlformats.org/presentationml/2006/main">
-  <p:cSld>
-    <p:spTree>
-      <p:nvGrpSpPr>
-        <p:cNvPr id="1" name=""/>
-        <p:cNvGrpSpPr/>
-        <p:nvPr/>
-      </p:nvGrpSpPr>
-      <p:grpSpPr>
-        <a:xfrm>
-          <a:off x="0" y="0"/>
-          <a:ext cx="0" cy="0"/>
-          <a:chOff x="0" y="0"/>
-          <a:chExt cx="0" cy="0"/>
-        </a:xfrm>
-      </p:grpSpPr>
-      <p:sp>
-        <p:nvSpPr>
-          <p:cNvPr id="2" name="Espace réservé de l'image des diapositives 1"/>
-          <p:cNvSpPr>
-            <a:spLocks noGrp="1" noRot="1" noChangeAspect="1"/>
-          </p:cNvSpPr>
-          <p:nvPr>
-            <p:ph type="sldImg"/>
-          </p:nvPr>
-        </p:nvSpPr>
-        <p:spPr/>
-      </p:sp>
-      <p:sp>
-        <p:nvSpPr>
-          <p:cNvPr id="3" name="Espace réservé des commentaires 2"/>
-          <p:cNvSpPr>
-            <a:spLocks noGrp="1"/>
-          </p:cNvSpPr>
-          <p:nvPr>
-            <p:ph type="body" idx="1"/>
-          </p:nvPr>
-        </p:nvSpPr>
-        <p:spPr/>
-        <p:txBody>
-          <a:bodyPr>
-            <a:normAutofit/>
-          </a:bodyPr>
-          <a:lstStyle/>
-          <a:p>
-            <a:r>
-              <a:rPr lang="fr-FR" smtClean="0"/>
-              <a:t>Que</a:t>
-            </a:r>
-            <a:r>
-              <a:rPr lang="fr-FR" baseline="0" smtClean="0"/>
-              <a:t> se passe-t-il en cas de panne ?</a:t>
-            </a:r>
-          </a:p>
-          <a:p>
-            <a:r>
-              <a:rPr lang="fr-FR" baseline="0" smtClean="0"/>
-              <a:t>16 et 18 mai 2012</a:t>
-            </a:r>
-          </a:p>
-          <a:p>
-            <a:r>
-              <a:rPr lang="fr-FR" baseline="0" smtClean="0"/>
-              <a:t>-&gt; bus relais mis en place </a:t>
-            </a:r>
-          </a:p>
-          <a:p>
-            <a:r>
-              <a:rPr lang="fr-FR" baseline="0" smtClean="0"/>
-              <a:t>Solution de secours ayant un cout  mais assurant globalement le service</a:t>
-            </a:r>
-            <a:endParaRPr lang="fr-FR"/>
-          </a:p>
-        </p:txBody>
-      </p:sp>
-      <p:sp>
-        <p:nvSpPr>
-          <p:cNvPr id="4" name="Espace réservé du numéro de diapositive 3"/>
-          <p:cNvSpPr>
-            <a:spLocks noGrp="1"/>
-          </p:cNvSpPr>
-          <p:nvPr>
-            <p:ph type="sldNum" sz="quarter" idx="10"/>
-          </p:nvPr>
-        </p:nvSpPr>
-        <p:spPr/>
-        <p:txBody>
-          <a:bodyPr/>
-          <a:lstStyle/>
-          <a:p>
-            <a:fld id="{7DDCF73A-A167-4C23-969D-BB6EE6B805CD}" type="slidenum">
-              <a:rPr lang="fr-FR" smtClean="0"/>
-              <a:pPr/>
-              <a:t>4</a:t>
-            </a:fld>
-            <a:endParaRPr lang="fr-FR"/>
-          </a:p>
-        </p:txBody>
-      </p:sp>
-    </p:spTree>
-  </p:cSld>
-  <p:clrMapOvr>
-    <a:masterClrMapping/>
-  </p:clrMapOvr>
-</p:notes>
-</file>
-
-<file path=ppt/notesSlides/notesSlide4.xml><?xml version="1.0" encoding="utf-8"?>
-<p:notes xmlns:a="http://schemas.openxmlformats.org/drawingml/2006/main" xmlns:r="http://schemas.openxmlformats.org/officeDocument/2006/relationships" xmlns:p="http://schemas.openxmlformats.org/presentationml/2006/main">
-  <p:cSld>
-    <p:spTree>
-      <p:nvGrpSpPr>
-        <p:cNvPr id="1" name=""/>
-        <p:cNvGrpSpPr/>
-        <p:nvPr/>
-      </p:nvGrpSpPr>
-      <p:grpSpPr>
-        <a:xfrm>
-          <a:off x="0" y="0"/>
-          <a:ext cx="0" cy="0"/>
-          <a:chOff x="0" y="0"/>
-          <a:chExt cx="0" cy="0"/>
-        </a:xfrm>
-      </p:grpSpPr>
-      <p:sp>
-        <p:nvSpPr>
-          <p:cNvPr id="2" name="Espace réservé de l'image des diapositives 1"/>
-          <p:cNvSpPr>
-            <a:spLocks noGrp="1" noRot="1" noChangeAspect="1"/>
-          </p:cNvSpPr>
-          <p:nvPr>
-            <p:ph type="sldImg"/>
-          </p:nvPr>
-        </p:nvSpPr>
-        <p:spPr/>
-      </p:sp>
-      <p:sp>
-        <p:nvSpPr>
-          <p:cNvPr id="3" name="Espace réservé des commentaires 2"/>
-          <p:cNvSpPr>
-            <a:spLocks noGrp="1"/>
-          </p:cNvSpPr>
-          <p:nvPr>
-            <p:ph type="body" idx="1"/>
-          </p:nvPr>
-        </p:nvSpPr>
-        <p:spPr/>
-        <p:txBody>
-          <a:bodyPr>
-            <a:normAutofit/>
-          </a:bodyPr>
-          <a:lstStyle/>
-          <a:p>
-            <a:r>
-              <a:rPr lang="fr-FR" smtClean="0"/>
-              <a:t>La question étant donc : est-il possible de paralyser le STAR ?</a:t>
-            </a:r>
-          </a:p>
-          <a:p>
-            <a:r>
-              <a:rPr lang="fr-FR" smtClean="0"/>
-              <a:t>Et c’est qu’intervient l’analyse de sécurité. Je vais donc laisser florent vous en parler.</a:t>
-            </a:r>
-            <a:endParaRPr lang="fr-FR"/>
-          </a:p>
-        </p:txBody>
-      </p:sp>
-      <p:sp>
-        <p:nvSpPr>
-          <p:cNvPr id="4" name="Espace réservé du numéro de diapositive 3"/>
-          <p:cNvSpPr>
-            <a:spLocks noGrp="1"/>
-          </p:cNvSpPr>
-          <p:nvPr>
-            <p:ph type="sldNum" sz="quarter" idx="10"/>
-          </p:nvPr>
-        </p:nvSpPr>
-        <p:spPr/>
-        <p:txBody>
-          <a:bodyPr/>
-          <a:lstStyle/>
-          <a:p>
-            <a:fld id="{7DDCF73A-A167-4C23-969D-BB6EE6B805CD}" type="slidenum">
-              <a:rPr lang="fr-FR" smtClean="0"/>
-              <a:pPr/>
-              <a:t>5</a:t>
+              <a:t>1</a:t>
             </a:fld>
             <a:endParaRPr lang="fr-FR"/>
           </a:p>
@@ -965,7 +658,7 @@
             <a:blip r:embed="rId2" cstate="print">
               <a:extLst>
                 <a:ext uri="{28A0092B-C50C-407E-A947-70E740481C1C}">
-                  <a14:useLocalDpi xmlns="" xmlns:a14="http://schemas.microsoft.com/office/drawing/2010/main" val="0"/>
+                  <a14:useLocalDpi xmlns:a14="http://schemas.microsoft.com/office/drawing/2010/main" xmlns="" val="0"/>
                 </a:ext>
               </a:extLst>
             </a:blip>
@@ -983,7 +676,7 @@
             <a:noFill/>
             <a:extLst>
               <a:ext uri="{909E8E84-426E-40DD-AFC4-6F175D3DCCD1}">
-                <a14:hiddenFill xmlns="" xmlns:a14="http://schemas.microsoft.com/office/drawing/2010/main">
+                <a14:hiddenFill xmlns:a14="http://schemas.microsoft.com/office/drawing/2010/main" xmlns="">
                   <a:solidFill>
                     <a:srgbClr val="FFFFFF"/>
                   </a:solidFill>
@@ -1004,7 +697,7 @@
             <a:blip r:embed="rId3" cstate="print">
               <a:extLst>
                 <a:ext uri="{28A0092B-C50C-407E-A947-70E740481C1C}">
-                  <a14:useLocalDpi xmlns="" xmlns:a14="http://schemas.microsoft.com/office/drawing/2010/main" val="0"/>
+                  <a14:useLocalDpi xmlns:a14="http://schemas.microsoft.com/office/drawing/2010/main" xmlns="" val="0"/>
                 </a:ext>
               </a:extLst>
             </a:blip>
@@ -1024,7 +717,7 @@
             <a:noFill/>
             <a:extLst>
               <a:ext uri="{909E8E84-426E-40DD-AFC4-6F175D3DCCD1}">
-                <a14:hiddenFill xmlns="" xmlns:a14="http://schemas.microsoft.com/office/drawing/2010/main">
+                <a14:hiddenFill xmlns:a14="http://schemas.microsoft.com/office/drawing/2010/main" xmlns="">
                   <a:solidFill>
                     <a:srgbClr val="FFFFFF"/>
                   </a:solidFill>
@@ -2073,7 +1766,7 @@
     </p:spTree>
     <p:extLst>
       <p:ext uri="{BB962C8B-B14F-4D97-AF65-F5344CB8AC3E}">
-        <p14:creationId xmlns="" xmlns:p14="http://schemas.microsoft.com/office/powerpoint/2010/main" val="2155599893"/>
+        <p14:creationId xmlns:p14="http://schemas.microsoft.com/office/powerpoint/2010/main" xmlns="" val="2155599893"/>
       </p:ext>
     </p:extLst>
   </p:cSld>
@@ -2231,7 +1924,7 @@
     </p:spTree>
     <p:extLst>
       <p:ext uri="{BB962C8B-B14F-4D97-AF65-F5344CB8AC3E}">
-        <p14:creationId xmlns="" xmlns:p14="http://schemas.microsoft.com/office/powerpoint/2010/main" val="2625538701"/>
+        <p14:creationId xmlns:p14="http://schemas.microsoft.com/office/powerpoint/2010/main" xmlns="" val="2625538701"/>
       </p:ext>
     </p:extLst>
   </p:cSld>
@@ -2459,7 +2152,7 @@
     </p:spTree>
     <p:extLst>
       <p:ext uri="{BB962C8B-B14F-4D97-AF65-F5344CB8AC3E}">
-        <p14:creationId xmlns="" xmlns:p14="http://schemas.microsoft.com/office/powerpoint/2010/main" val="1505370761"/>
+        <p14:creationId xmlns:p14="http://schemas.microsoft.com/office/powerpoint/2010/main" xmlns="" val="1505370761"/>
       </p:ext>
     </p:extLst>
   </p:cSld>
@@ -2705,7 +2398,7 @@
     </p:spTree>
     <p:extLst>
       <p:ext uri="{BB962C8B-B14F-4D97-AF65-F5344CB8AC3E}">
-        <p14:creationId xmlns="" xmlns:p14="http://schemas.microsoft.com/office/powerpoint/2010/main" val="1601618539"/>
+        <p14:creationId xmlns:p14="http://schemas.microsoft.com/office/powerpoint/2010/main" xmlns="" val="1601618539"/>
       </p:ext>
     </p:extLst>
   </p:cSld>
@@ -3089,7 +2782,7 @@
     </p:spTree>
     <p:extLst>
       <p:ext uri="{BB962C8B-B14F-4D97-AF65-F5344CB8AC3E}">
-        <p14:creationId xmlns="" xmlns:p14="http://schemas.microsoft.com/office/powerpoint/2010/main" val="171255179"/>
+        <p14:creationId xmlns:p14="http://schemas.microsoft.com/office/powerpoint/2010/main" xmlns="" val="171255179"/>
       </p:ext>
     </p:extLst>
   </p:cSld>
@@ -3191,7 +2884,7 @@
     </p:spTree>
     <p:extLst>
       <p:ext uri="{BB962C8B-B14F-4D97-AF65-F5344CB8AC3E}">
-        <p14:creationId xmlns="" xmlns:p14="http://schemas.microsoft.com/office/powerpoint/2010/main" val="4241946124"/>
+        <p14:creationId xmlns:p14="http://schemas.microsoft.com/office/powerpoint/2010/main" xmlns="" val="4241946124"/>
       </p:ext>
     </p:extLst>
   </p:cSld>
@@ -3229,7 +2922,7 @@
     </p:spTree>
     <p:extLst>
       <p:ext uri="{BB962C8B-B14F-4D97-AF65-F5344CB8AC3E}">
-        <p14:creationId xmlns="" xmlns:p14="http://schemas.microsoft.com/office/powerpoint/2010/main" val="3843733788"/>
+        <p14:creationId xmlns:p14="http://schemas.microsoft.com/office/powerpoint/2010/main" xmlns="" val="3843733788"/>
       </p:ext>
     </p:extLst>
   </p:cSld>
@@ -3525,7 +3218,7 @@
     </p:spTree>
     <p:extLst>
       <p:ext uri="{BB962C8B-B14F-4D97-AF65-F5344CB8AC3E}">
-        <p14:creationId xmlns="" xmlns:p14="http://schemas.microsoft.com/office/powerpoint/2010/main" val="680884878"/>
+        <p14:creationId xmlns:p14="http://schemas.microsoft.com/office/powerpoint/2010/main" xmlns="" val="680884878"/>
       </p:ext>
     </p:extLst>
   </p:cSld>
@@ -4574,7 +4267,7 @@
           <a:blip r:embed="rId10" cstate="print">
             <a:extLst>
               <a:ext uri="{28A0092B-C50C-407E-A947-70E740481C1C}">
-                <a14:useLocalDpi xmlns="" xmlns:a14="http://schemas.microsoft.com/office/drawing/2010/main" val="0"/>
+                <a14:useLocalDpi xmlns:a14="http://schemas.microsoft.com/office/drawing/2010/main" xmlns="" val="0"/>
               </a:ext>
             </a:extLst>
           </a:blip>
@@ -4592,7 +4285,7 @@
           <a:noFill/>
           <a:extLst>
             <a:ext uri="{909E8E84-426E-40DD-AFC4-6F175D3DCCD1}">
-              <a14:hiddenFill xmlns="" xmlns:a14="http://schemas.microsoft.com/office/drawing/2010/main">
+              <a14:hiddenFill xmlns:a14="http://schemas.microsoft.com/office/drawing/2010/main" xmlns="">
                 <a:solidFill>
                   <a:srgbClr val="FFFFFF"/>
                 </a:solidFill>
@@ -4613,7 +4306,7 @@
           <a:blip r:embed="rId11" cstate="print">
             <a:extLst>
               <a:ext uri="{28A0092B-C50C-407E-A947-70E740481C1C}">
-                <a14:useLocalDpi xmlns="" xmlns:a14="http://schemas.microsoft.com/office/drawing/2010/main" val="0"/>
+                <a14:useLocalDpi xmlns:a14="http://schemas.microsoft.com/office/drawing/2010/main" xmlns="" val="0"/>
               </a:ext>
             </a:extLst>
           </a:blip>
@@ -4633,7 +4326,7 @@
           <a:noFill/>
           <a:extLst>
             <a:ext uri="{909E8E84-426E-40DD-AFC4-6F175D3DCCD1}">
-              <a14:hiddenFill xmlns="" xmlns:a14="http://schemas.microsoft.com/office/drawing/2010/main">
+              <a14:hiddenFill xmlns:a14="http://schemas.microsoft.com/office/drawing/2010/main" xmlns="">
                 <a:solidFill>
                   <a:srgbClr val="FFFFFF"/>
                 </a:solidFill>
@@ -4791,7 +4484,7 @@
             <a:lum bright="70000" contrast="-70000"/>
             <a:extLst>
               <a:ext uri="{28A0092B-C50C-407E-A947-70E740481C1C}">
-                <a14:useLocalDpi xmlns="" xmlns:a14="http://schemas.microsoft.com/office/drawing/2010/main" val="0"/>
+                <a14:useLocalDpi xmlns:a14="http://schemas.microsoft.com/office/drawing/2010/main" xmlns="" val="0"/>
               </a:ext>
             </a:extLst>
           </a:blip>
@@ -4812,7 +4505,7 @@
     </p:spTree>
     <p:extLst>
       <p:ext uri="{BB962C8B-B14F-4D97-AF65-F5344CB8AC3E}">
-        <p14:creationId xmlns="" xmlns:p14="http://schemas.microsoft.com/office/powerpoint/2010/main" val="3080300347"/>
+        <p14:creationId xmlns:p14="http://schemas.microsoft.com/office/powerpoint/2010/main" xmlns="" val="3080300347"/>
       </p:ext>
     </p:extLst>
   </p:cSld>
@@ -5110,163 +4803,360 @@
       </p:grpSpPr>
       <p:sp>
         <p:nvSpPr>
-          <p:cNvPr id="2" name="Titre 1"/>
+          <p:cNvPr id="5" name="Titre 4"/>
           <p:cNvSpPr>
             <a:spLocks noGrp="1"/>
           </p:cNvSpPr>
           <p:nvPr>
-            <p:ph type="title"/>
+            <p:ph type="ctrTitle"/>
           </p:nvPr>
         </p:nvSpPr>
-        <p:spPr/>
+        <p:spPr>
+          <a:xfrm>
+            <a:off x="107504" y="1412776"/>
+            <a:ext cx="5760640" cy="2952328"/>
+          </a:xfrm>
+        </p:spPr>
         <p:txBody>
-          <a:bodyPr/>
+          <a:bodyPr>
+            <a:normAutofit/>
+          </a:bodyPr>
           <a:lstStyle/>
           <a:p>
             <a:r>
-              <a:rPr lang="fr-FR" smtClean="0"/>
-              <a:t>Plan</a:t>
-            </a:r>
-            <a:endParaRPr lang="fr-FR"/>
+              <a:rPr lang="fr-FR" sz="2800" cap="small" smtClean="0">
+                <a:solidFill>
+                  <a:srgbClr val="0C0C0C"/>
+                </a:solidFill>
+              </a:rPr>
+              <a:t>Est-il </a:t>
+            </a:r>
+            <a:br>
+              <a:rPr lang="fr-FR" sz="2800" cap="small" smtClean="0">
+                <a:solidFill>
+                  <a:srgbClr val="0C0C0C"/>
+                </a:solidFill>
+              </a:rPr>
+            </a:br>
+            <a:r>
+              <a:rPr lang="fr-FR" sz="2800" cap="small" smtClean="0">
+                <a:solidFill>
+                  <a:srgbClr val="0C0C0C"/>
+                </a:solidFill>
+              </a:rPr>
+              <a:t>difficile de </a:t>
+            </a:r>
+            <a:br>
+              <a:rPr lang="fr-FR" sz="2800" cap="small" smtClean="0">
+                <a:solidFill>
+                  <a:srgbClr val="0C0C0C"/>
+                </a:solidFill>
+              </a:rPr>
+            </a:br>
+            <a:r>
+              <a:rPr lang="fr-FR" sz="2800" cap="small" smtClean="0">
+                <a:solidFill>
+                  <a:srgbClr val="0C0C0C"/>
+                </a:solidFill>
+              </a:rPr>
+              <a:t>paralyser les </a:t>
+            </a:r>
+            <a:br>
+              <a:rPr lang="fr-FR" sz="2800" cap="small" smtClean="0">
+                <a:solidFill>
+                  <a:srgbClr val="0C0C0C"/>
+                </a:solidFill>
+              </a:rPr>
+            </a:br>
+            <a:r>
+              <a:rPr lang="fr-FR" sz="2800" cap="small" smtClean="0">
+                <a:solidFill>
+                  <a:srgbClr val="0C0C0C"/>
+                </a:solidFill>
+              </a:rPr>
+              <a:t>transports en </a:t>
+            </a:r>
+            <a:br>
+              <a:rPr lang="fr-FR" sz="2800" cap="small" smtClean="0">
+                <a:solidFill>
+                  <a:srgbClr val="0C0C0C"/>
+                </a:solidFill>
+              </a:rPr>
+            </a:br>
+            <a:r>
+              <a:rPr lang="fr-FR" sz="2800" cap="small" smtClean="0">
+                <a:solidFill>
+                  <a:srgbClr val="0C0C0C"/>
+                </a:solidFill>
+              </a:rPr>
+              <a:t>commun de </a:t>
+            </a:r>
+            <a:br>
+              <a:rPr lang="fr-FR" sz="2800" cap="small" smtClean="0">
+                <a:solidFill>
+                  <a:srgbClr val="0C0C0C"/>
+                </a:solidFill>
+              </a:rPr>
+            </a:br>
+            <a:r>
+              <a:rPr lang="fr-FR" sz="2800" cap="small" smtClean="0">
+                <a:solidFill>
+                  <a:srgbClr val="0C0C0C"/>
+                </a:solidFill>
+              </a:rPr>
+              <a:t>Rennes ?</a:t>
+            </a:r>
+            <a:endParaRPr lang="fr-FR" sz="2800" cap="small">
+              <a:solidFill>
+                <a:srgbClr val="0C0C0C"/>
+              </a:solidFill>
+            </a:endParaRPr>
           </a:p>
         </p:txBody>
       </p:sp>
       <p:sp>
         <p:nvSpPr>
-          <p:cNvPr id="3" name="Espace réservé du contenu 2"/>
-          <p:cNvSpPr>
-            <a:spLocks noGrp="1"/>
-          </p:cNvSpPr>
-          <p:nvPr>
-            <p:ph idx="1"/>
-          </p:nvPr>
+          <p:cNvPr id="7" name="ZoneTexte 6"/>
+          <p:cNvSpPr txBox="1"/>
+          <p:nvPr/>
         </p:nvSpPr>
-        <p:spPr/>
+        <p:spPr>
+          <a:xfrm>
+            <a:off x="6084168" y="0"/>
+            <a:ext cx="2664296" cy="1261884"/>
+          </a:xfrm>
+          <a:prstGeom prst="rect">
+            <a:avLst/>
+          </a:prstGeom>
+          <a:noFill/>
+        </p:spPr>
         <p:txBody>
-          <a:bodyPr/>
+          <a:bodyPr wrap="square" rtlCol="0">
+            <a:spAutoFit/>
+          </a:bodyPr>
           <a:lstStyle/>
           <a:p>
-            <a:r>
-              <a:rPr lang="fr-FR" smtClean="0"/>
-              <a:t>Intro </a:t>
-            </a:r>
+            <a:pPr algn="r"/>
+            <a:r>
+              <a:rPr lang="fr-FR" b="1" smtClean="0">
+                <a:solidFill>
+                  <a:schemeClr val="bg1"/>
+                </a:solidFill>
+              </a:rPr>
+              <a:t>Encadrants</a:t>
+            </a:r>
+          </a:p>
+          <a:p>
+            <a:pPr algn="r"/>
             <a:r>
               <a:rPr lang="fr-FR" smtClean="0">
-                <a:sym typeface="Wingdings" pitchFamily="2" charset="2"/>
+                <a:solidFill>
+                  <a:srgbClr val="0C0C0C"/>
+                </a:solidFill>
               </a:rPr>
-              <a:t> Valou</a:t>
-            </a:r>
-            <a:endParaRPr lang="fr-FR" smtClean="0"/>
-          </a:p>
-          <a:p>
-            <a:endParaRPr lang="fr-FR" smtClean="0"/>
-          </a:p>
-          <a:p>
-            <a:r>
-              <a:rPr lang="fr-FR" smtClean="0"/>
-              <a:t>Etat de l’art  </a:t>
-            </a:r>
+              <a:t>Gildas </a:t>
+            </a:r>
+            <a:r>
+              <a:rPr lang="fr-FR" cap="small" smtClean="0">
+                <a:solidFill>
+                  <a:srgbClr val="0C0C0C"/>
+                </a:solidFill>
+              </a:rPr>
+              <a:t>Avoine</a:t>
+            </a:r>
+          </a:p>
+          <a:p>
+            <a:pPr algn="r"/>
             <a:r>
               <a:rPr lang="fr-FR" smtClean="0">
-                <a:sym typeface="Wingdings" pitchFamily="2" charset="2"/>
+                <a:solidFill>
+                  <a:srgbClr val="0C0C0C"/>
+                </a:solidFill>
               </a:rPr>
-              <a:t> FloBière</a:t>
-            </a:r>
-            <a:endParaRPr lang="fr-FR" smtClean="0"/>
-          </a:p>
-          <a:p>
-            <a:endParaRPr lang="fr-FR" smtClean="0"/>
-          </a:p>
-          <a:p>
-            <a:r>
-              <a:rPr lang="fr-FR" smtClean="0"/>
-              <a:t>Etude de l’existant  </a:t>
-            </a:r>
-            <a:r>
-              <a:rPr lang="fr-FR" smtClean="0">
-                <a:sym typeface="Wingdings" pitchFamily="2" charset="2"/>
+              <a:t>Barbara </a:t>
+            </a:r>
+            <a:r>
+              <a:rPr lang="fr-FR" cap="small" smtClean="0">
+                <a:solidFill>
+                  <a:srgbClr val="0C0C0C"/>
+                </a:solidFill>
               </a:rPr>
-              <a:t> Maud</a:t>
-            </a:r>
-            <a:endParaRPr lang="fr-FR" smtClean="0"/>
-          </a:p>
-          <a:p>
-            <a:endParaRPr lang="fr-FR" smtClean="0"/>
-          </a:p>
-          <a:p>
-            <a:r>
-              <a:rPr lang="fr-FR" smtClean="0"/>
-              <a:t>Glasir : cahier des charges	</a:t>
-            </a:r>
-            <a:r>
-              <a:rPr lang="fr-FR" smtClean="0">
-                <a:sym typeface="Wingdings" pitchFamily="2" charset="2"/>
-              </a:rPr>
-              <a:t> Hoel</a:t>
-            </a:r>
-            <a:endParaRPr lang="fr-FR" smtClean="0"/>
-          </a:p>
-          <a:p>
-            <a:r>
-              <a:rPr lang="fr-FR" smtClean="0"/>
-              <a:t>Architecture globale</a:t>
-            </a:r>
-          </a:p>
-          <a:p>
-            <a:endParaRPr lang="fr-FR" smtClean="0"/>
-          </a:p>
-          <a:p>
-            <a:r>
-              <a:rPr lang="fr-FR" smtClean="0"/>
-              <a:t>Spéc 	</a:t>
-            </a:r>
-            <a:r>
-              <a:rPr lang="fr-FR" smtClean="0">
-                <a:sym typeface="Wingdings" pitchFamily="2" charset="2"/>
-              </a:rPr>
-              <a:t> </a:t>
-            </a:r>
-            <a:r>
-              <a:rPr lang="fr-FR" smtClean="0"/>
-              <a:t>Coco</a:t>
-            </a:r>
-          </a:p>
-          <a:p>
-            <a:endParaRPr lang="fr-FR" smtClean="0"/>
-          </a:p>
-          <a:p>
-            <a:r>
-              <a:rPr lang="fr-FR" smtClean="0"/>
-              <a:t>Plannif conclusion </a:t>
-            </a:r>
-            <a:r>
-              <a:rPr lang="fr-FR" smtClean="0">
-                <a:sym typeface="Wingdings" pitchFamily="2" charset="2"/>
-              </a:rPr>
-              <a:t> PM</a:t>
-            </a:r>
-            <a:endParaRPr lang="fr-FR" smtClean="0"/>
+              <a:t>Kordy</a:t>
+            </a:r>
+          </a:p>
+          <a:p>
+            <a:pPr algn="r"/>
+            <a:endParaRPr lang="fr-FR" sz="2000" b="1" smtClean="0">
+              <a:ln w="12700">
+                <a:solidFill>
+                  <a:schemeClr val="tx2">
+                    <a:satMod val="155000"/>
+                  </a:schemeClr>
+                </a:solidFill>
+                <a:prstDash val="solid"/>
+              </a:ln>
+              <a:solidFill>
+                <a:schemeClr val="bg2">
+                  <a:tint val="85000"/>
+                  <a:satMod val="155000"/>
+                </a:schemeClr>
+              </a:solidFill>
+              <a:effectLst>
+                <a:outerShdw blurRad="41275" dist="20320" dir="1800000" algn="tl" rotWithShape="0">
+                  <a:srgbClr val="000000">
+                    <a:alpha val="40000"/>
+                  </a:srgbClr>
+                </a:outerShdw>
+              </a:effectLst>
+            </a:endParaRPr>
           </a:p>
         </p:txBody>
       </p:sp>
       <p:sp>
         <p:nvSpPr>
-          <p:cNvPr id="4" name="Espace réservé du texte 3"/>
-          <p:cNvSpPr>
-            <a:spLocks noGrp="1"/>
-          </p:cNvSpPr>
-          <p:nvPr>
-            <p:ph type="body" sz="quarter" idx="10"/>
-          </p:nvPr>
+          <p:cNvPr id="8" name="ZoneTexte 7"/>
+          <p:cNvSpPr txBox="1"/>
+          <p:nvPr/>
         </p:nvSpPr>
-        <p:spPr/>
+        <p:spPr>
+          <a:xfrm>
+            <a:off x="5796136" y="4149080"/>
+            <a:ext cx="3024336" cy="2031325"/>
+          </a:xfrm>
+          <a:prstGeom prst="rect">
+            <a:avLst/>
+          </a:prstGeom>
+          <a:noFill/>
+        </p:spPr>
         <p:txBody>
-          <a:bodyPr>
-            <a:normAutofit fontScale="92500" lnSpcReduction="20000"/>
+          <a:bodyPr wrap="square" rtlCol="0">
+            <a:spAutoFit/>
           </a:bodyPr>
           <a:lstStyle/>
           <a:p>
-            <a:endParaRPr lang="fr-FR"/>
+            <a:pPr algn="r"/>
+            <a:r>
+              <a:rPr lang="fr-FR" b="1" smtClean="0">
+                <a:solidFill>
+                  <a:srgbClr val="FF0000"/>
+                </a:solidFill>
+              </a:rPr>
+              <a:t>Étudiants</a:t>
+            </a:r>
+          </a:p>
+          <a:p>
+            <a:pPr algn="r"/>
+            <a:r>
+              <a:rPr lang="fr-FR" smtClean="0">
+                <a:solidFill>
+                  <a:srgbClr val="212121"/>
+                </a:solidFill>
+              </a:rPr>
+              <a:t>Pierre-Marie </a:t>
+            </a:r>
+            <a:r>
+              <a:rPr lang="fr-FR" cap="small" smtClean="0">
+                <a:solidFill>
+                  <a:srgbClr val="212121"/>
+                </a:solidFill>
+              </a:rPr>
+              <a:t>Airiau</a:t>
+            </a:r>
+          </a:p>
+          <a:p>
+            <a:pPr algn="r"/>
+            <a:r>
+              <a:rPr lang="fr-FR" smtClean="0">
+                <a:solidFill>
+                  <a:srgbClr val="212121"/>
+                </a:solidFill>
+              </a:rPr>
+              <a:t>Valentin </a:t>
+            </a:r>
+            <a:r>
+              <a:rPr lang="fr-FR" cap="small" smtClean="0">
+                <a:solidFill>
+                  <a:srgbClr val="212121"/>
+                </a:solidFill>
+              </a:rPr>
+              <a:t>Esmieu</a:t>
+            </a:r>
+          </a:p>
+          <a:p>
+            <a:pPr algn="r"/>
+            <a:r>
+              <a:rPr lang="fr-FR" smtClean="0">
+                <a:solidFill>
+                  <a:srgbClr val="212121"/>
+                </a:solidFill>
+              </a:rPr>
+              <a:t>Hoel </a:t>
+            </a:r>
+            <a:r>
+              <a:rPr lang="fr-FR" cap="small" smtClean="0">
+                <a:solidFill>
+                  <a:srgbClr val="212121"/>
+                </a:solidFill>
+              </a:rPr>
+              <a:t>Kervadec</a:t>
+            </a:r>
+          </a:p>
+          <a:p>
+            <a:pPr algn="r"/>
+            <a:r>
+              <a:rPr lang="fr-FR" smtClean="0">
+                <a:solidFill>
+                  <a:srgbClr val="212121"/>
+                </a:solidFill>
+              </a:rPr>
+              <a:t>Maud </a:t>
+            </a:r>
+            <a:r>
+              <a:rPr lang="fr-FR" cap="small" smtClean="0">
+                <a:solidFill>
+                  <a:srgbClr val="212121"/>
+                </a:solidFill>
+              </a:rPr>
+              <a:t>Leray</a:t>
+            </a:r>
+          </a:p>
+          <a:p>
+            <a:pPr algn="r"/>
+            <a:r>
+              <a:rPr lang="fr-FR" smtClean="0">
+                <a:solidFill>
+                  <a:srgbClr val="212121"/>
+                </a:solidFill>
+              </a:rPr>
+              <a:t>Florent </a:t>
+            </a:r>
+            <a:r>
+              <a:rPr lang="fr-FR" cap="small" smtClean="0">
+                <a:solidFill>
+                  <a:srgbClr val="212121"/>
+                </a:solidFill>
+              </a:rPr>
+              <a:t>Mallard</a:t>
+            </a:r>
+          </a:p>
+          <a:p>
+            <a:pPr algn="r"/>
+            <a:r>
+              <a:rPr lang="fr-FR" smtClean="0">
+                <a:solidFill>
+                  <a:srgbClr val="212121"/>
+                </a:solidFill>
+              </a:rPr>
+              <a:t>Corentin </a:t>
+            </a:r>
+            <a:r>
+              <a:rPr lang="fr-FR" cap="small" smtClean="0">
+                <a:solidFill>
+                  <a:srgbClr val="212121"/>
+                </a:solidFill>
+              </a:rPr>
+              <a:t>Nicole</a:t>
+            </a:r>
           </a:p>
         </p:txBody>
       </p:sp>
@@ -5309,15 +5199,10 @@
             <a:spLocks noGrp="1"/>
           </p:cNvSpPr>
           <p:nvPr>
-            <p:ph type="ctrTitle"/>
+            <p:ph type="title"/>
           </p:nvPr>
         </p:nvSpPr>
-        <p:spPr>
-          <a:xfrm>
-            <a:off x="179512" y="1988840"/>
-            <a:ext cx="3240360" cy="1037977"/>
-          </a:xfrm>
-        </p:spPr>
+        <p:spPr/>
         <p:txBody>
           <a:bodyPr>
             <a:normAutofit/>
@@ -5325,357 +5210,13 @@
           <a:lstStyle/>
           <a:p>
             <a:r>
-              <a:rPr lang="fr-FR" sz="4000" smtClean="0">
-                <a:solidFill>
-                  <a:schemeClr val="tx1">
-                    <a:lumMod val="50000"/>
-                  </a:schemeClr>
-                </a:solidFill>
-              </a:rPr>
-              <a:t>GLASIR</a:t>
-            </a:r>
-            <a:endParaRPr lang="fr-FR" sz="4000">
-              <a:solidFill>
-                <a:schemeClr val="tx1">
-                  <a:lumMod val="50000"/>
-                </a:schemeClr>
-              </a:solidFill>
-            </a:endParaRPr>
+              <a:rPr lang="fr-FR" sz="7200" cap="small" smtClean="0"/>
+              <a:t>Glasir</a:t>
+            </a:r>
+            <a:endParaRPr lang="fr-FR" sz="7200" cap="small"/>
           </a:p>
         </p:txBody>
       </p:sp>
-      <p:sp>
-        <p:nvSpPr>
-          <p:cNvPr id="6" name="Sous-titre 5"/>
-          <p:cNvSpPr>
-            <a:spLocks noGrp="1"/>
-          </p:cNvSpPr>
-          <p:nvPr>
-            <p:ph type="subTitle" idx="1"/>
-          </p:nvPr>
-        </p:nvSpPr>
-        <p:spPr>
-          <a:xfrm>
-            <a:off x="0" y="5229200"/>
-            <a:ext cx="9144000" cy="982960"/>
-          </a:xfrm>
-        </p:spPr>
-        <p:txBody>
-          <a:bodyPr>
-            <a:normAutofit/>
-          </a:bodyPr>
-          <a:lstStyle/>
-          <a:p>
-            <a:pPr algn="ctr"/>
-            <a:r>
-              <a:rPr lang="fr-FR" sz="2400" smtClean="0">
-                <a:solidFill>
-                  <a:schemeClr val="tx1">
-                    <a:lumMod val="50000"/>
-                  </a:schemeClr>
-                </a:solidFill>
-              </a:rPr>
-              <a:t>Est-il difficile de paralyser </a:t>
-            </a:r>
-          </a:p>
-          <a:p>
-            <a:pPr algn="ctr"/>
-            <a:r>
-              <a:rPr lang="fr-FR" sz="2400" smtClean="0">
-                <a:solidFill>
-                  <a:schemeClr val="tx1">
-                    <a:lumMod val="50000"/>
-                  </a:schemeClr>
-                </a:solidFill>
-              </a:rPr>
-              <a:t>les transports en commun à Rennes ?</a:t>
-            </a:r>
-            <a:endParaRPr lang="fr-FR" sz="2400">
-              <a:solidFill>
-                <a:schemeClr val="tx1">
-                  <a:lumMod val="50000"/>
-                </a:schemeClr>
-              </a:solidFill>
-            </a:endParaRPr>
-          </a:p>
-        </p:txBody>
-      </p:sp>
-      <p:sp>
-        <p:nvSpPr>
-          <p:cNvPr id="7" name="ZoneTexte 6"/>
-          <p:cNvSpPr txBox="1"/>
-          <p:nvPr/>
-        </p:nvSpPr>
-        <p:spPr>
-          <a:xfrm>
-            <a:off x="6156176" y="332656"/>
-            <a:ext cx="2664296" cy="1261884"/>
-          </a:xfrm>
-          <a:prstGeom prst="rect">
-            <a:avLst/>
-          </a:prstGeom>
-          <a:noFill/>
-        </p:spPr>
-        <p:txBody>
-          <a:bodyPr wrap="square" rtlCol="0">
-            <a:spAutoFit/>
-          </a:bodyPr>
-          <a:lstStyle/>
-          <a:p>
-            <a:pPr algn="r"/>
-            <a:r>
-              <a:rPr lang="fr-FR" b="1" smtClean="0">
-                <a:solidFill>
-                  <a:schemeClr val="tx1">
-                    <a:lumMod val="50000"/>
-                  </a:schemeClr>
-                </a:solidFill>
-              </a:rPr>
-              <a:t>Encadrants</a:t>
-            </a:r>
-          </a:p>
-          <a:p>
-            <a:pPr algn="r"/>
-            <a:r>
-              <a:rPr lang="fr-FR" smtClean="0">
-                <a:solidFill>
-                  <a:schemeClr val="tx1">
-                    <a:lumMod val="50000"/>
-                  </a:schemeClr>
-                </a:solidFill>
-              </a:rPr>
-              <a:t>Gildas Avoine</a:t>
-            </a:r>
-          </a:p>
-          <a:p>
-            <a:pPr algn="r"/>
-            <a:r>
-              <a:rPr lang="fr-FR" smtClean="0">
-                <a:solidFill>
-                  <a:schemeClr val="tx1">
-                    <a:lumMod val="50000"/>
-                  </a:schemeClr>
-                </a:solidFill>
-              </a:rPr>
-              <a:t>Barbara Kordy</a:t>
-            </a:r>
-          </a:p>
-          <a:p>
-            <a:pPr algn="r"/>
-            <a:endParaRPr lang="fr-FR" sz="2000" b="1" smtClean="0">
-              <a:ln w="12700">
-                <a:solidFill>
-                  <a:schemeClr val="tx2">
-                    <a:satMod val="155000"/>
-                  </a:schemeClr>
-                </a:solidFill>
-                <a:prstDash val="solid"/>
-              </a:ln>
-              <a:solidFill>
-                <a:schemeClr val="bg2">
-                  <a:tint val="85000"/>
-                  <a:satMod val="155000"/>
-                </a:schemeClr>
-              </a:solidFill>
-              <a:effectLst>
-                <a:outerShdw blurRad="41275" dist="20320" dir="1800000" algn="tl" rotWithShape="0">
-                  <a:srgbClr val="000000">
-                    <a:alpha val="40000"/>
-                  </a:srgbClr>
-                </a:outerShdw>
-              </a:effectLst>
-            </a:endParaRPr>
-          </a:p>
-        </p:txBody>
-      </p:sp>
-      <p:sp>
-        <p:nvSpPr>
-          <p:cNvPr id="8" name="ZoneTexte 7"/>
-          <p:cNvSpPr txBox="1"/>
-          <p:nvPr/>
-        </p:nvSpPr>
-        <p:spPr>
-          <a:xfrm>
-            <a:off x="5796136" y="2564904"/>
-            <a:ext cx="3024336" cy="2031325"/>
-          </a:xfrm>
-          <a:prstGeom prst="rect">
-            <a:avLst/>
-          </a:prstGeom>
-          <a:noFill/>
-        </p:spPr>
-        <p:txBody>
-          <a:bodyPr wrap="square" rtlCol="0">
-            <a:spAutoFit/>
-          </a:bodyPr>
-          <a:lstStyle/>
-          <a:p>
-            <a:pPr algn="r"/>
-            <a:r>
-              <a:rPr lang="fr-FR" b="1" smtClean="0">
-                <a:solidFill>
-                  <a:schemeClr val="tx1">
-                    <a:lumMod val="50000"/>
-                  </a:schemeClr>
-                </a:solidFill>
-              </a:rPr>
-              <a:t>Étudiants</a:t>
-            </a:r>
-          </a:p>
-          <a:p>
-            <a:pPr algn="r"/>
-            <a:r>
-              <a:rPr lang="fr-FR" smtClean="0">
-                <a:solidFill>
-                  <a:schemeClr val="tx1">
-                    <a:lumMod val="50000"/>
-                  </a:schemeClr>
-                </a:solidFill>
-              </a:rPr>
-              <a:t>Pierre-Marie Airiau</a:t>
-            </a:r>
-          </a:p>
-          <a:p>
-            <a:pPr algn="r"/>
-            <a:r>
-              <a:rPr lang="fr-FR" smtClean="0">
-                <a:solidFill>
-                  <a:schemeClr val="tx1">
-                    <a:lumMod val="50000"/>
-                  </a:schemeClr>
-                </a:solidFill>
-              </a:rPr>
-              <a:t>Valentin Esmieu</a:t>
-            </a:r>
-          </a:p>
-          <a:p>
-            <a:pPr algn="r"/>
-            <a:r>
-              <a:rPr lang="fr-FR" smtClean="0">
-                <a:solidFill>
-                  <a:schemeClr val="tx1">
-                    <a:lumMod val="50000"/>
-                  </a:schemeClr>
-                </a:solidFill>
-              </a:rPr>
-              <a:t>Hoel Kervadec</a:t>
-            </a:r>
-          </a:p>
-          <a:p>
-            <a:pPr algn="r"/>
-            <a:r>
-              <a:rPr lang="fr-FR" smtClean="0">
-                <a:solidFill>
-                  <a:schemeClr val="tx1">
-                    <a:lumMod val="50000"/>
-                  </a:schemeClr>
-                </a:solidFill>
-              </a:rPr>
-              <a:t>Maud Leray</a:t>
-            </a:r>
-          </a:p>
-          <a:p>
-            <a:pPr algn="r"/>
-            <a:r>
-              <a:rPr lang="fr-FR" smtClean="0">
-                <a:solidFill>
-                  <a:schemeClr val="tx1">
-                    <a:lumMod val="50000"/>
-                  </a:schemeClr>
-                </a:solidFill>
-              </a:rPr>
-              <a:t>Florent Mallard</a:t>
-            </a:r>
-          </a:p>
-          <a:p>
-            <a:pPr algn="r"/>
-            <a:r>
-              <a:rPr lang="fr-FR" smtClean="0">
-                <a:solidFill>
-                  <a:schemeClr val="tx1">
-                    <a:lumMod val="50000"/>
-                  </a:schemeClr>
-                </a:solidFill>
-              </a:rPr>
-              <a:t>Corentin Nicole</a:t>
-            </a:r>
-          </a:p>
-        </p:txBody>
-      </p:sp>
-      <p:sp>
-        <p:nvSpPr>
-          <p:cNvPr id="10" name="ZoneTexte 9"/>
-          <p:cNvSpPr txBox="1"/>
-          <p:nvPr/>
-        </p:nvSpPr>
-        <p:spPr>
-          <a:xfrm>
-            <a:off x="179512" y="2924944"/>
-            <a:ext cx="3312368" cy="369332"/>
-          </a:xfrm>
-          <a:prstGeom prst="rect">
-            <a:avLst/>
-          </a:prstGeom>
-          <a:noFill/>
-        </p:spPr>
-        <p:txBody>
-          <a:bodyPr wrap="square" rtlCol="0">
-            <a:spAutoFit/>
-          </a:bodyPr>
-          <a:lstStyle/>
-          <a:p>
-            <a:r>
-              <a:rPr lang="fr-FR" smtClean="0">
-                <a:solidFill>
-                  <a:schemeClr val="tx1">
-                    <a:lumMod val="50000"/>
-                  </a:schemeClr>
-                </a:solidFill>
-              </a:rPr>
-              <a:t>Logiciel d’analyse de sécurité</a:t>
-            </a:r>
-            <a:endParaRPr lang="fr-FR">
-              <a:solidFill>
-                <a:schemeClr val="tx1">
-                  <a:lumMod val="50000"/>
-                </a:schemeClr>
-              </a:solidFill>
-            </a:endParaRPr>
-          </a:p>
-        </p:txBody>
-      </p:sp>
-    </p:spTree>
-  </p:cSld>
-  <p:clrMapOvr>
-    <a:masterClrMapping/>
-  </p:clrMapOvr>
-  <p:timing>
-    <p:tnLst>
-      <p:par>
-        <p:cTn id="1" dur="indefinite" restart="never" nodeType="tmRoot"/>
-      </p:par>
-    </p:tnLst>
-  </p:timing>
-</p:sld>
-</file>
-
-<file path=ppt/slides/slide3.xml><?xml version="1.0" encoding="utf-8"?>
-<p:sld xmlns:a="http://schemas.openxmlformats.org/drawingml/2006/main" xmlns:r="http://schemas.openxmlformats.org/officeDocument/2006/relationships" xmlns:p="http://schemas.openxmlformats.org/presentationml/2006/main">
-  <p:cSld>
-    <p:spTree>
-      <p:nvGrpSpPr>
-        <p:cNvPr id="1" name=""/>
-        <p:cNvGrpSpPr/>
-        <p:nvPr/>
-      </p:nvGrpSpPr>
-      <p:grpSpPr>
-        <a:xfrm>
-          <a:off x="0" y="0"/>
-          <a:ext cx="0" cy="0"/>
-          <a:chOff x="0" y="0"/>
-          <a:chExt cx="0" cy="0"/>
-        </a:xfrm>
-      </p:grpSpPr>
       <p:sp>
         <p:nvSpPr>
           <p:cNvPr id="7" name="Espace réservé du texte 6"/>
@@ -5697,558 +5238,11 @@
           </a:p>
         </p:txBody>
       </p:sp>
-      <p:sp>
-        <p:nvSpPr>
-          <p:cNvPr id="9" name="ZoneTexte 8"/>
-          <p:cNvSpPr txBox="1"/>
-          <p:nvPr/>
-        </p:nvSpPr>
-        <p:spPr>
-          <a:xfrm>
-            <a:off x="0" y="2492896"/>
-            <a:ext cx="9144000" cy="830997"/>
-          </a:xfrm>
-          <a:prstGeom prst="rect">
-            <a:avLst/>
-          </a:prstGeom>
-          <a:noFill/>
-        </p:spPr>
-        <p:txBody>
-          <a:bodyPr wrap="square" rtlCol="0">
-            <a:spAutoFit/>
-          </a:bodyPr>
-          <a:lstStyle/>
-          <a:p>
-            <a:pPr algn="ctr"/>
-            <a:r>
-              <a:rPr lang="fr-FR" sz="4800" b="1" smtClean="0">
-                <a:solidFill>
-                  <a:srgbClr val="004D6F"/>
-                </a:solidFill>
-                <a:latin typeface="Arial" pitchFamily="34" charset="0"/>
-                <a:cs typeface="Arial" pitchFamily="34" charset="0"/>
-              </a:rPr>
-              <a:t>250 000 trajets par jour</a:t>
-            </a:r>
-            <a:endParaRPr lang="fr-FR" sz="4800" b="1" smtClean="0">
-              <a:solidFill>
-                <a:srgbClr val="004D6F"/>
-              </a:solidFill>
-              <a:latin typeface="Arial" pitchFamily="34" charset="0"/>
-              <a:cs typeface="Arial" pitchFamily="34" charset="0"/>
-            </a:endParaRPr>
-          </a:p>
-        </p:txBody>
-      </p:sp>
     </p:spTree>
   </p:cSld>
   <p:clrMapOvr>
     <a:masterClrMapping/>
   </p:clrMapOvr>
-  <p:timing>
-    <p:tnLst>
-      <p:par>
-        <p:cTn id="1" dur="indefinite" restart="never" nodeType="tmRoot">
-          <p:childTnLst>
-            <p:seq concurrent="1" nextAc="seek">
-              <p:cTn id="2" dur="indefinite" nodeType="mainSeq">
-                <p:childTnLst>
-                  <p:par>
-                    <p:cTn id="3" fill="hold">
-                      <p:stCondLst>
-                        <p:cond delay="indefinite"/>
-                      </p:stCondLst>
-                      <p:childTnLst>
-                        <p:par>
-                          <p:cTn id="4" fill="hold">
-                            <p:stCondLst>
-                              <p:cond delay="0"/>
-                            </p:stCondLst>
-                            <p:childTnLst>
-                              <p:par>
-                                <p:cTn id="5" presetID="1" presetClass="entr" presetSubtype="0" fill="hold" grpId="0" nodeType="clickEffect">
-                                  <p:stCondLst>
-                                    <p:cond delay="0"/>
-                                  </p:stCondLst>
-                                  <p:childTnLst>
-                                    <p:set>
-                                      <p:cBhvr>
-                                        <p:cTn id="6" dur="1" fill="hold">
-                                          <p:stCondLst>
-                                            <p:cond delay="0"/>
-                                          </p:stCondLst>
-                                        </p:cTn>
-                                        <p:tgtEl>
-                                          <p:spTgt spid="9"/>
-                                        </p:tgtEl>
-                                        <p:attrNameLst>
-                                          <p:attrName>style.visibility</p:attrName>
-                                        </p:attrNameLst>
-                                      </p:cBhvr>
-                                      <p:to>
-                                        <p:strVal val="visible"/>
-                                      </p:to>
-                                    </p:set>
-                                  </p:childTnLst>
-                                </p:cTn>
-                              </p:par>
-                            </p:childTnLst>
-                          </p:cTn>
-                        </p:par>
-                      </p:childTnLst>
-                    </p:cTn>
-                  </p:par>
-                </p:childTnLst>
-              </p:cTn>
-              <p:prevCondLst>
-                <p:cond evt="onPrev" delay="0">
-                  <p:tgtEl>
-                    <p:sldTgt/>
-                  </p:tgtEl>
-                </p:cond>
-              </p:prevCondLst>
-              <p:nextCondLst>
-                <p:cond evt="onNext" delay="0">
-                  <p:tgtEl>
-                    <p:sldTgt/>
-                  </p:tgtEl>
-                </p:cond>
-              </p:nextCondLst>
-            </p:seq>
-          </p:childTnLst>
-        </p:cTn>
-      </p:par>
-    </p:tnLst>
-    <p:bldLst>
-      <p:bldP spid="9" grpId="0"/>
-    </p:bldLst>
-  </p:timing>
-</p:sld>
-</file>
-
-<file path=ppt/slides/slide4.xml><?xml version="1.0" encoding="utf-8"?>
-<p:sld xmlns:a="http://schemas.openxmlformats.org/drawingml/2006/main" xmlns:r="http://schemas.openxmlformats.org/officeDocument/2006/relationships" xmlns:p="http://schemas.openxmlformats.org/presentationml/2006/main">
-  <p:cSld>
-    <p:spTree>
-      <p:nvGrpSpPr>
-        <p:cNvPr id="1" name=""/>
-        <p:cNvGrpSpPr/>
-        <p:nvPr/>
-      </p:nvGrpSpPr>
-      <p:grpSpPr>
-        <a:xfrm>
-          <a:off x="0" y="0"/>
-          <a:ext cx="0" cy="0"/>
-          <a:chOff x="0" y="0"/>
-          <a:chExt cx="0" cy="0"/>
-        </a:xfrm>
-      </p:grpSpPr>
-      <p:sp>
-        <p:nvSpPr>
-          <p:cNvPr id="2" name="Titre 1"/>
-          <p:cNvSpPr>
-            <a:spLocks noGrp="1"/>
-          </p:cNvSpPr>
-          <p:nvPr>
-            <p:ph type="title"/>
-          </p:nvPr>
-        </p:nvSpPr>
-        <p:spPr/>
-        <p:txBody>
-          <a:bodyPr/>
-          <a:lstStyle/>
-          <a:p>
-            <a:endParaRPr lang="fr-FR"/>
-          </a:p>
-        </p:txBody>
-      </p:sp>
-      <p:sp>
-        <p:nvSpPr>
-          <p:cNvPr id="3" name="Espace réservé du contenu 2"/>
-          <p:cNvSpPr>
-            <a:spLocks noGrp="1"/>
-          </p:cNvSpPr>
-          <p:nvPr>
-            <p:ph idx="1"/>
-          </p:nvPr>
-        </p:nvSpPr>
-        <p:spPr>
-          <a:xfrm>
-            <a:off x="457200" y="908720"/>
-            <a:ext cx="8229600" cy="1008112"/>
-          </a:xfrm>
-        </p:spPr>
-        <p:txBody>
-          <a:bodyPr>
-            <a:normAutofit/>
-          </a:bodyPr>
-          <a:lstStyle/>
-          <a:p>
-            <a:pPr algn="ctr"/>
-            <a:r>
-              <a:rPr lang="fr-FR" sz="4800" smtClean="0"/>
-              <a:t> 16 et 18 mai 2012</a:t>
-            </a:r>
-          </a:p>
-          <a:p>
-            <a:pPr algn="ctr"/>
-            <a:endParaRPr lang="fr-FR" sz="4800" smtClean="0"/>
-          </a:p>
-          <a:p>
-            <a:pPr algn="ctr"/>
-            <a:endParaRPr lang="fr-FR" sz="4800" smtClean="0"/>
-          </a:p>
-          <a:p>
-            <a:pPr algn="ctr"/>
-            <a:endParaRPr lang="fr-FR" sz="4800" smtClean="0"/>
-          </a:p>
-          <a:p>
-            <a:pPr algn="ctr"/>
-            <a:endParaRPr lang="fr-FR" sz="4800" smtClean="0"/>
-          </a:p>
-          <a:p>
-            <a:pPr algn="ctr"/>
-            <a:endParaRPr lang="fr-FR" sz="4800"/>
-          </a:p>
-        </p:txBody>
-      </p:sp>
-      <p:sp>
-        <p:nvSpPr>
-          <p:cNvPr id="4" name="Espace réservé du texte 3"/>
-          <p:cNvSpPr>
-            <a:spLocks noGrp="1"/>
-          </p:cNvSpPr>
-          <p:nvPr>
-            <p:ph type="body" sz="quarter" idx="10"/>
-          </p:nvPr>
-        </p:nvSpPr>
-        <p:spPr/>
-        <p:txBody>
-          <a:bodyPr>
-            <a:normAutofit fontScale="92500" lnSpcReduction="20000"/>
-          </a:bodyPr>
-          <a:lstStyle/>
-          <a:p>
-            <a:r>
-              <a:rPr lang="fr-FR" smtClean="0"/>
-              <a:t>Introduction</a:t>
-            </a:r>
-            <a:endParaRPr lang="fr-FR"/>
-          </a:p>
-        </p:txBody>
-      </p:sp>
-      <p:pic>
-        <p:nvPicPr>
-          <p:cNvPr id="5" name="Image 4" descr="logo-metro-rennes.png"/>
-          <p:cNvPicPr>
-            <a:picLocks noChangeAspect="1"/>
-          </p:cNvPicPr>
-          <p:nvPr/>
-        </p:nvPicPr>
-        <p:blipFill>
-          <a:blip r:embed="rId3" cstate="print"/>
-          <a:stretch>
-            <a:fillRect/>
-          </a:stretch>
-        </p:blipFill>
-        <p:spPr>
-          <a:xfrm>
-            <a:off x="3779912" y="2492896"/>
-            <a:ext cx="1524000" cy="1524000"/>
-          </a:xfrm>
-          <a:prstGeom prst="rect">
-            <a:avLst/>
-          </a:prstGeom>
-        </p:spPr>
-      </p:pic>
-      <p:pic>
-        <p:nvPicPr>
-          <p:cNvPr id="10" name="Image 9" descr="logo-metro-rennes.png"/>
-          <p:cNvPicPr>
-            <a:picLocks noChangeAspect="1"/>
-          </p:cNvPicPr>
-          <p:nvPr/>
-        </p:nvPicPr>
-        <p:blipFill>
-          <a:blip r:embed="rId3" cstate="print">
-            <a:duotone>
-              <a:prstClr val="black"/>
-              <a:schemeClr val="accent5">
-                <a:tint val="45000"/>
-                <a:satMod val="400000"/>
-              </a:schemeClr>
-            </a:duotone>
-          </a:blip>
-          <a:stretch>
-            <a:fillRect/>
-          </a:stretch>
-        </p:blipFill>
-        <p:spPr>
-          <a:xfrm>
-            <a:off x="3779912" y="2492896"/>
-            <a:ext cx="1524000" cy="1524000"/>
-          </a:xfrm>
-          <a:prstGeom prst="rect">
-            <a:avLst/>
-          </a:prstGeom>
-        </p:spPr>
-      </p:pic>
-      <p:sp>
-        <p:nvSpPr>
-          <p:cNvPr id="11" name="ZoneTexte 10"/>
-          <p:cNvSpPr txBox="1"/>
-          <p:nvPr/>
-        </p:nvSpPr>
-        <p:spPr>
-          <a:xfrm>
-            <a:off x="0" y="4581128"/>
-            <a:ext cx="9144000" cy="830997"/>
-          </a:xfrm>
-          <a:prstGeom prst="rect">
-            <a:avLst/>
-          </a:prstGeom>
-          <a:noFill/>
-        </p:spPr>
-        <p:txBody>
-          <a:bodyPr wrap="square" rtlCol="0">
-            <a:spAutoFit/>
-          </a:bodyPr>
-          <a:lstStyle/>
-          <a:p>
-            <a:pPr algn="ctr"/>
-            <a:r>
-              <a:rPr lang="fr-FR" sz="4800" b="1" smtClean="0">
-                <a:solidFill>
-                  <a:srgbClr val="004D6F"/>
-                </a:solidFill>
-                <a:latin typeface="Arial" pitchFamily="34" charset="0"/>
-                <a:cs typeface="Arial" pitchFamily="34" charset="0"/>
-              </a:rPr>
-              <a:t>Métro en panne</a:t>
-            </a:r>
-            <a:endParaRPr lang="fr-FR" sz="4800" b="1" smtClean="0">
-              <a:solidFill>
-                <a:srgbClr val="004D6F"/>
-              </a:solidFill>
-              <a:latin typeface="Arial" pitchFamily="34" charset="0"/>
-              <a:cs typeface="Arial" pitchFamily="34" charset="0"/>
-            </a:endParaRPr>
-          </a:p>
-        </p:txBody>
-      </p:sp>
-    </p:spTree>
-  </p:cSld>
-  <p:clrMapOvr>
-    <a:masterClrMapping/>
-  </p:clrMapOvr>
-  <p:timing>
-    <p:tnLst>
-      <p:par>
-        <p:cTn id="1" dur="indefinite" restart="never" nodeType="tmRoot">
-          <p:childTnLst>
-            <p:seq concurrent="1" nextAc="seek">
-              <p:cTn id="2" dur="indefinite" nodeType="mainSeq">
-                <p:childTnLst>
-                  <p:par>
-                    <p:cTn id="3" fill="hold">
-                      <p:stCondLst>
-                        <p:cond delay="indefinite"/>
-                      </p:stCondLst>
-                      <p:childTnLst>
-                        <p:par>
-                          <p:cTn id="4" fill="hold">
-                            <p:stCondLst>
-                              <p:cond delay="0"/>
-                            </p:stCondLst>
-                            <p:childTnLst>
-                              <p:par>
-                                <p:cTn id="5" presetID="1" presetClass="entr" presetSubtype="0" fill="hold" grpId="0" nodeType="clickEffect">
-                                  <p:stCondLst>
-                                    <p:cond delay="0"/>
-                                  </p:stCondLst>
-                                  <p:childTnLst>
-                                    <p:set>
-                                      <p:cBhvr>
-                                        <p:cTn id="6" dur="1" fill="hold">
-                                          <p:stCondLst>
-                                            <p:cond delay="0"/>
-                                          </p:stCondLst>
-                                        </p:cTn>
-                                        <p:tgtEl>
-                                          <p:spTgt spid="11"/>
-                                        </p:tgtEl>
-                                        <p:attrNameLst>
-                                          <p:attrName>style.visibility</p:attrName>
-                                        </p:attrNameLst>
-                                      </p:cBhvr>
-                                      <p:to>
-                                        <p:strVal val="visible"/>
-                                      </p:to>
-                                    </p:set>
-                                  </p:childTnLst>
-                                </p:cTn>
-                              </p:par>
-                              <p:par>
-                                <p:cTn id="7" presetID="10" presetClass="entr" presetSubtype="0" fill="hold" nodeType="withEffect">
-                                  <p:stCondLst>
-                                    <p:cond delay="0"/>
-                                  </p:stCondLst>
-                                  <p:childTnLst>
-                                    <p:set>
-                                      <p:cBhvr>
-                                        <p:cTn id="8" dur="1" fill="hold">
-                                          <p:stCondLst>
-                                            <p:cond delay="0"/>
-                                          </p:stCondLst>
-                                        </p:cTn>
-                                        <p:tgtEl>
-                                          <p:spTgt spid="10"/>
-                                        </p:tgtEl>
-                                        <p:attrNameLst>
-                                          <p:attrName>style.visibility</p:attrName>
-                                        </p:attrNameLst>
-                                      </p:cBhvr>
-                                      <p:to>
-                                        <p:strVal val="visible"/>
-                                      </p:to>
-                                    </p:set>
-                                    <p:animEffect transition="in" filter="fade">
-                                      <p:cBhvr>
-                                        <p:cTn id="9" dur="2000"/>
-                                        <p:tgtEl>
-                                          <p:spTgt spid="10"/>
-                                        </p:tgtEl>
-                                      </p:cBhvr>
-                                    </p:animEffect>
-                                  </p:childTnLst>
-                                </p:cTn>
-                              </p:par>
-                            </p:childTnLst>
-                          </p:cTn>
-                        </p:par>
-                      </p:childTnLst>
-                    </p:cTn>
-                  </p:par>
-                </p:childTnLst>
-              </p:cTn>
-              <p:prevCondLst>
-                <p:cond evt="onPrev" delay="0">
-                  <p:tgtEl>
-                    <p:sldTgt/>
-                  </p:tgtEl>
-                </p:cond>
-              </p:prevCondLst>
-              <p:nextCondLst>
-                <p:cond evt="onNext" delay="0">
-                  <p:tgtEl>
-                    <p:sldTgt/>
-                  </p:tgtEl>
-                </p:cond>
-              </p:nextCondLst>
-            </p:seq>
-          </p:childTnLst>
-        </p:cTn>
-      </p:par>
-    </p:tnLst>
-    <p:bldLst>
-      <p:bldP spid="11" grpId="0"/>
-    </p:bldLst>
-  </p:timing>
-</p:sld>
-</file>
-
-<file path=ppt/slides/slide5.xml><?xml version="1.0" encoding="utf-8"?>
-<p:sld xmlns:a="http://schemas.openxmlformats.org/drawingml/2006/main" xmlns:r="http://schemas.openxmlformats.org/officeDocument/2006/relationships" xmlns:p="http://schemas.openxmlformats.org/presentationml/2006/main">
-  <p:cSld>
-    <p:spTree>
-      <p:nvGrpSpPr>
-        <p:cNvPr id="1" name=""/>
-        <p:cNvGrpSpPr/>
-        <p:nvPr/>
-      </p:nvGrpSpPr>
-      <p:grpSpPr>
-        <a:xfrm>
-          <a:off x="0" y="0"/>
-          <a:ext cx="0" cy="0"/>
-          <a:chOff x="0" y="0"/>
-          <a:chExt cx="0" cy="0"/>
-        </a:xfrm>
-      </p:grpSpPr>
-      <p:sp>
-        <p:nvSpPr>
-          <p:cNvPr id="2" name="Titre 1"/>
-          <p:cNvSpPr>
-            <a:spLocks noGrp="1"/>
-          </p:cNvSpPr>
-          <p:nvPr>
-            <p:ph type="title"/>
-          </p:nvPr>
-        </p:nvSpPr>
-        <p:spPr/>
-        <p:txBody>
-          <a:bodyPr/>
-          <a:lstStyle/>
-          <a:p>
-            <a:endParaRPr lang="fr-FR"/>
-          </a:p>
-        </p:txBody>
-      </p:sp>
-      <p:sp>
-        <p:nvSpPr>
-          <p:cNvPr id="3" name="Espace réservé du contenu 2"/>
-          <p:cNvSpPr>
-            <a:spLocks noGrp="1"/>
-          </p:cNvSpPr>
-          <p:nvPr>
-            <p:ph idx="1"/>
-          </p:nvPr>
-        </p:nvSpPr>
-        <p:spPr/>
-        <p:txBody>
-          <a:bodyPr/>
-          <a:lstStyle/>
-          <a:p>
-            <a:r>
-              <a:rPr lang="fr-FR" smtClean="0"/>
-              <a:t>transition</a:t>
-            </a:r>
-            <a:endParaRPr lang="fr-FR"/>
-          </a:p>
-        </p:txBody>
-      </p:sp>
-      <p:sp>
-        <p:nvSpPr>
-          <p:cNvPr id="4" name="Espace réservé du texte 3"/>
-          <p:cNvSpPr>
-            <a:spLocks noGrp="1"/>
-          </p:cNvSpPr>
-          <p:nvPr>
-            <p:ph type="body" sz="quarter" idx="10"/>
-          </p:nvPr>
-        </p:nvSpPr>
-        <p:spPr/>
-        <p:txBody>
-          <a:bodyPr>
-            <a:normAutofit fontScale="92500" lnSpcReduction="20000"/>
-          </a:bodyPr>
-          <a:lstStyle/>
-          <a:p>
-            <a:endParaRPr lang="fr-FR"/>
-          </a:p>
-        </p:txBody>
-      </p:sp>
-    </p:spTree>
-  </p:cSld>
-  <p:clrMapOvr>
-    <a:masterClrMapping/>
-  </p:clrMapOvr>
-  <p:timing>
-    <p:tnLst>
-      <p:par>
-        <p:cTn id="1" dur="indefinite" restart="never" nodeType="tmRoot"/>
-      </p:par>
-    </p:tnLst>
-  </p:timing>
 </p:sld>
 </file>
 

--- a/soutenances/projet_decembre/intro.pptx
+++ b/soutenances/projet_decembre/intro.pptx
@@ -110,7 +110,7 @@
   </p:defaultTextStyle>
   <p:extLst>
     <p:ext uri="{521415D9-36F7-43E2-AB2F-B90AF26B5E84}">
-      <p14:sectionLst xmlns:p14="http://schemas.microsoft.com/office/powerpoint/2010/main" xmlns="">
+      <p14:sectionLst xmlns="" xmlns:p14="http://schemas.microsoft.com/office/powerpoint/2010/main">
         <p14:section name="Modèles INSA" id="{339B715A-A4F6-482F-9E8F-E995A152AF53}">
           <p14:sldIdLst>
             <p14:sldId id="256"/>
@@ -533,7 +533,6 @@
               <a:rPr lang="fr-FR" baseline="0" smtClean="0"/>
               <a:t>Mais on a progressivement abstrait le concept</a:t>
             </a:r>
-            <a:endParaRPr lang="fr-FR" baseline="0" smtClean="0"/>
           </a:p>
         </p:txBody>
       </p:sp>
@@ -658,7 +657,7 @@
             <a:blip r:embed="rId2" cstate="print">
               <a:extLst>
                 <a:ext uri="{28A0092B-C50C-407E-A947-70E740481C1C}">
-                  <a14:useLocalDpi xmlns:a14="http://schemas.microsoft.com/office/drawing/2010/main" xmlns="" val="0"/>
+                  <a14:useLocalDpi xmlns="" xmlns:a14="http://schemas.microsoft.com/office/drawing/2010/main" val="0"/>
                 </a:ext>
               </a:extLst>
             </a:blip>
@@ -676,7 +675,7 @@
             <a:noFill/>
             <a:extLst>
               <a:ext uri="{909E8E84-426E-40DD-AFC4-6F175D3DCCD1}">
-                <a14:hiddenFill xmlns:a14="http://schemas.microsoft.com/office/drawing/2010/main" xmlns="">
+                <a14:hiddenFill xmlns="" xmlns:a14="http://schemas.microsoft.com/office/drawing/2010/main">
                   <a:solidFill>
                     <a:srgbClr val="FFFFFF"/>
                   </a:solidFill>
@@ -697,7 +696,7 @@
             <a:blip r:embed="rId3" cstate="print">
               <a:extLst>
                 <a:ext uri="{28A0092B-C50C-407E-A947-70E740481C1C}">
-                  <a14:useLocalDpi xmlns:a14="http://schemas.microsoft.com/office/drawing/2010/main" xmlns="" val="0"/>
+                  <a14:useLocalDpi xmlns="" xmlns:a14="http://schemas.microsoft.com/office/drawing/2010/main" val="0"/>
                 </a:ext>
               </a:extLst>
             </a:blip>
@@ -717,7 +716,7 @@
             <a:noFill/>
             <a:extLst>
               <a:ext uri="{909E8E84-426E-40DD-AFC4-6F175D3DCCD1}">
-                <a14:hiddenFill xmlns:a14="http://schemas.microsoft.com/office/drawing/2010/main" xmlns="">
+                <a14:hiddenFill xmlns="" xmlns:a14="http://schemas.microsoft.com/office/drawing/2010/main">
                   <a:solidFill>
                     <a:srgbClr val="FFFFFF"/>
                   </a:solidFill>
@@ -1766,7 +1765,7 @@
     </p:spTree>
     <p:extLst>
       <p:ext uri="{BB962C8B-B14F-4D97-AF65-F5344CB8AC3E}">
-        <p14:creationId xmlns:p14="http://schemas.microsoft.com/office/powerpoint/2010/main" xmlns="" val="2155599893"/>
+        <p14:creationId xmlns="" xmlns:p14="http://schemas.microsoft.com/office/powerpoint/2010/main" val="2155599893"/>
       </p:ext>
     </p:extLst>
   </p:cSld>
@@ -1924,7 +1923,7 @@
     </p:spTree>
     <p:extLst>
       <p:ext uri="{BB962C8B-B14F-4D97-AF65-F5344CB8AC3E}">
-        <p14:creationId xmlns:p14="http://schemas.microsoft.com/office/powerpoint/2010/main" xmlns="" val="2625538701"/>
+        <p14:creationId xmlns="" xmlns:p14="http://schemas.microsoft.com/office/powerpoint/2010/main" val="2625538701"/>
       </p:ext>
     </p:extLst>
   </p:cSld>
@@ -2152,7 +2151,7 @@
     </p:spTree>
     <p:extLst>
       <p:ext uri="{BB962C8B-B14F-4D97-AF65-F5344CB8AC3E}">
-        <p14:creationId xmlns:p14="http://schemas.microsoft.com/office/powerpoint/2010/main" xmlns="" val="1505370761"/>
+        <p14:creationId xmlns="" xmlns:p14="http://schemas.microsoft.com/office/powerpoint/2010/main" val="1505370761"/>
       </p:ext>
     </p:extLst>
   </p:cSld>
@@ -2398,7 +2397,7 @@
     </p:spTree>
     <p:extLst>
       <p:ext uri="{BB962C8B-B14F-4D97-AF65-F5344CB8AC3E}">
-        <p14:creationId xmlns:p14="http://schemas.microsoft.com/office/powerpoint/2010/main" xmlns="" val="1601618539"/>
+        <p14:creationId xmlns="" xmlns:p14="http://schemas.microsoft.com/office/powerpoint/2010/main" val="1601618539"/>
       </p:ext>
     </p:extLst>
   </p:cSld>
@@ -2782,7 +2781,7 @@
     </p:spTree>
     <p:extLst>
       <p:ext uri="{BB962C8B-B14F-4D97-AF65-F5344CB8AC3E}">
-        <p14:creationId xmlns:p14="http://schemas.microsoft.com/office/powerpoint/2010/main" xmlns="" val="171255179"/>
+        <p14:creationId xmlns="" xmlns:p14="http://schemas.microsoft.com/office/powerpoint/2010/main" val="171255179"/>
       </p:ext>
     </p:extLst>
   </p:cSld>
@@ -2884,7 +2883,7 @@
     </p:spTree>
     <p:extLst>
       <p:ext uri="{BB962C8B-B14F-4D97-AF65-F5344CB8AC3E}">
-        <p14:creationId xmlns:p14="http://schemas.microsoft.com/office/powerpoint/2010/main" xmlns="" val="4241946124"/>
+        <p14:creationId xmlns="" xmlns:p14="http://schemas.microsoft.com/office/powerpoint/2010/main" val="4241946124"/>
       </p:ext>
     </p:extLst>
   </p:cSld>
@@ -2922,7 +2921,7 @@
     </p:spTree>
     <p:extLst>
       <p:ext uri="{BB962C8B-B14F-4D97-AF65-F5344CB8AC3E}">
-        <p14:creationId xmlns:p14="http://schemas.microsoft.com/office/powerpoint/2010/main" xmlns="" val="3843733788"/>
+        <p14:creationId xmlns="" xmlns:p14="http://schemas.microsoft.com/office/powerpoint/2010/main" val="3843733788"/>
       </p:ext>
     </p:extLst>
   </p:cSld>
@@ -3218,7 +3217,7 @@
     </p:spTree>
     <p:extLst>
       <p:ext uri="{BB962C8B-B14F-4D97-AF65-F5344CB8AC3E}">
-        <p14:creationId xmlns:p14="http://schemas.microsoft.com/office/powerpoint/2010/main" xmlns="" val="680884878"/>
+        <p14:creationId xmlns="" xmlns:p14="http://schemas.microsoft.com/office/powerpoint/2010/main" val="680884878"/>
       </p:ext>
     </p:extLst>
   </p:cSld>
@@ -4267,7 +4266,7 @@
           <a:blip r:embed="rId10" cstate="print">
             <a:extLst>
               <a:ext uri="{28A0092B-C50C-407E-A947-70E740481C1C}">
-                <a14:useLocalDpi xmlns:a14="http://schemas.microsoft.com/office/drawing/2010/main" xmlns="" val="0"/>
+                <a14:useLocalDpi xmlns="" xmlns:a14="http://schemas.microsoft.com/office/drawing/2010/main" val="0"/>
               </a:ext>
             </a:extLst>
           </a:blip>
@@ -4285,7 +4284,7 @@
           <a:noFill/>
           <a:extLst>
             <a:ext uri="{909E8E84-426E-40DD-AFC4-6F175D3DCCD1}">
-              <a14:hiddenFill xmlns:a14="http://schemas.microsoft.com/office/drawing/2010/main" xmlns="">
+              <a14:hiddenFill xmlns="" xmlns:a14="http://schemas.microsoft.com/office/drawing/2010/main">
                 <a:solidFill>
                   <a:srgbClr val="FFFFFF"/>
                 </a:solidFill>
@@ -4306,7 +4305,7 @@
           <a:blip r:embed="rId11" cstate="print">
             <a:extLst>
               <a:ext uri="{28A0092B-C50C-407E-A947-70E740481C1C}">
-                <a14:useLocalDpi xmlns:a14="http://schemas.microsoft.com/office/drawing/2010/main" xmlns="" val="0"/>
+                <a14:useLocalDpi xmlns="" xmlns:a14="http://schemas.microsoft.com/office/drawing/2010/main" val="0"/>
               </a:ext>
             </a:extLst>
           </a:blip>
@@ -4326,7 +4325,7 @@
           <a:noFill/>
           <a:extLst>
             <a:ext uri="{909E8E84-426E-40DD-AFC4-6F175D3DCCD1}">
-              <a14:hiddenFill xmlns:a14="http://schemas.microsoft.com/office/drawing/2010/main" xmlns="">
+              <a14:hiddenFill xmlns="" xmlns:a14="http://schemas.microsoft.com/office/drawing/2010/main">
                 <a:solidFill>
                   <a:srgbClr val="FFFFFF"/>
                 </a:solidFill>
@@ -4484,7 +4483,7 @@
             <a:lum bright="70000" contrast="-70000"/>
             <a:extLst>
               <a:ext uri="{28A0092B-C50C-407E-A947-70E740481C1C}">
-                <a14:useLocalDpi xmlns:a14="http://schemas.microsoft.com/office/drawing/2010/main" xmlns="" val="0"/>
+                <a14:useLocalDpi xmlns="" xmlns:a14="http://schemas.microsoft.com/office/drawing/2010/main" val="0"/>
               </a:ext>
             </a:extLst>
           </a:blip>
@@ -4505,7 +4504,7 @@
     </p:spTree>
     <p:extLst>
       <p:ext uri="{BB962C8B-B14F-4D97-AF65-F5344CB8AC3E}">
-        <p14:creationId xmlns:p14="http://schemas.microsoft.com/office/powerpoint/2010/main" xmlns="" val="3080300347"/>
+        <p14:creationId xmlns="" xmlns:p14="http://schemas.microsoft.com/office/powerpoint/2010/main" val="3080300347"/>
       </p:ext>
     </p:extLst>
   </p:cSld>
@@ -5194,31 +5193,6 @@
       </p:grpSpPr>
       <p:sp>
         <p:nvSpPr>
-          <p:cNvPr id="5" name="Titre 4"/>
-          <p:cNvSpPr>
-            <a:spLocks noGrp="1"/>
-          </p:cNvSpPr>
-          <p:nvPr>
-            <p:ph type="title"/>
-          </p:nvPr>
-        </p:nvSpPr>
-        <p:spPr/>
-        <p:txBody>
-          <a:bodyPr>
-            <a:normAutofit/>
-          </a:bodyPr>
-          <a:lstStyle/>
-          <a:p>
-            <a:r>
-              <a:rPr lang="fr-FR" sz="7200" cap="small" smtClean="0"/>
-              <a:t>Glasir</a:t>
-            </a:r>
-            <a:endParaRPr lang="fr-FR" sz="7200" cap="small"/>
-          </a:p>
-        </p:txBody>
-      </p:sp>
-      <p:sp>
-        <p:nvSpPr>
           <p:cNvPr id="7" name="Espace réservé du texte 6"/>
           <p:cNvSpPr>
             <a:spLocks noGrp="1"/>
@@ -5238,11 +5212,65 @@
           </a:p>
         </p:txBody>
       </p:sp>
+      <p:pic>
+        <p:nvPicPr>
+          <p:cNvPr id="6" name="Image 5" descr="glasir.png"/>
+          <p:cNvPicPr>
+            <a:picLocks noChangeAspect="1"/>
+          </p:cNvPicPr>
+          <p:nvPr/>
+        </p:nvPicPr>
+        <p:blipFill>
+          <a:blip r:embed="rId2" cstate="print"/>
+          <a:stretch>
+            <a:fillRect/>
+          </a:stretch>
+        </p:blipFill>
+        <p:spPr>
+          <a:xfrm>
+            <a:off x="1475656" y="692696"/>
+            <a:ext cx="5870217" cy="5518192"/>
+          </a:xfrm>
+          <a:prstGeom prst="ellipse">
+            <a:avLst/>
+          </a:prstGeom>
+          <a:ln w="190500" cap="rnd">
+            <a:solidFill>
+              <a:srgbClr val="C8C6BD"/>
+            </a:solidFill>
+            <a:prstDash val="solid"/>
+          </a:ln>
+          <a:effectLst>
+            <a:outerShdw blurRad="127000" algn="bl" rotWithShape="0">
+              <a:srgbClr val="000000"/>
+            </a:outerShdw>
+          </a:effectLst>
+          <a:scene3d>
+            <a:camera prst="perspectiveFront" fov="5400000"/>
+            <a:lightRig rig="threePt" dir="t">
+              <a:rot lat="0" lon="0" rev="19200000"/>
+            </a:lightRig>
+          </a:scene3d>
+          <a:sp3d extrusionH="25400">
+            <a:bevelT w="304800" h="152400" prst="hardEdge"/>
+            <a:extrusionClr>
+              <a:srgbClr val="000000"/>
+            </a:extrusionClr>
+          </a:sp3d>
+        </p:spPr>
+      </p:pic>
     </p:spTree>
   </p:cSld>
   <p:clrMapOvr>
     <a:masterClrMapping/>
   </p:clrMapOvr>
+  <p:timing>
+    <p:tnLst>
+      <p:par>
+        <p:cTn id="1" dur="indefinite" restart="never" nodeType="tmRoot"/>
+      </p:par>
+    </p:tnLst>
+  </p:timing>
 </p:sld>
 </file>
 
